--- a/reports/slides/best_equipo_08.pptx
+++ b/reports/slides/best_equipo_08.pptx
@@ -9,7 +9,7 @@
   </p:notesMasterIdLst>
   <p:sldIdLst>
     <p:sldId id="264" r:id="rId2"/>
-    <p:sldId id="266" r:id="rId3"/>
+    <p:sldId id="271" r:id="rId3"/>
     <p:sldId id="268" r:id="rId4"/>
     <p:sldId id="265" r:id="rId5"/>
     <p:sldId id="267" r:id="rId6"/>
@@ -3594,12 +3594,117 @@
           <a:chExt cx="0" cy="0"/>
         </a:xfrm>
       </p:grpSpPr>
+      <p:sp>
+        <p:nvSpPr>
+          <p:cNvPr id="9" name="Título 1">
+            <a:extLst>
+              <a:ext uri="{FF2B5EF4-FFF2-40B4-BE49-F238E27FC236}">
+                <a16:creationId xmlns:a16="http://schemas.microsoft.com/office/drawing/2014/main" id="{23C73C8E-6C08-A6DF-5824-FAEB24E8DFEC}"/>
+              </a:ext>
+            </a:extLst>
+          </p:cNvPr>
+          <p:cNvSpPr>
+            <a:spLocks noGrp="1"/>
+          </p:cNvSpPr>
+          <p:nvPr>
+            <p:ph type="title"/>
+          </p:nvPr>
+        </p:nvSpPr>
+        <p:spPr>
+          <a:xfrm>
+            <a:off x="611560" y="1916832"/>
+            <a:ext cx="8229600" cy="500063"/>
+          </a:xfrm>
+        </p:spPr>
+        <p:txBody>
+          <a:bodyPr/>
+          <a:lstStyle/>
+          <a:p>
+            <a:pPr algn="ctr"/>
+            <a:r>
+              <a:rPr lang="es-CO" altLang="es-CO" dirty="0" err="1"/>
+              <a:t>Best</a:t>
+            </a:r>
+            <a:r>
+              <a:rPr lang="es-CO" altLang="es-CO" dirty="0"/>
+              <a:t> </a:t>
+            </a:r>
+            <a:r>
+              <a:rPr lang="es-CO" altLang="es-CO" dirty="0" err="1"/>
+              <a:t>model</a:t>
+            </a:r>
+            <a:r>
+              <a:rPr lang="es-CO" altLang="es-CO" dirty="0"/>
+              <a:t> </a:t>
+            </a:r>
+            <a:r>
+              <a:rPr lang="es-CO" altLang="es-CO" dirty="0" err="1"/>
+              <a:t>overview</a:t>
+            </a:r>
+            <a:r>
+              <a:rPr lang="es-CO" altLang="es-CO" dirty="0"/>
+              <a:t> – </a:t>
+            </a:r>
+            <a:r>
+              <a:rPr lang="es-CO" altLang="es-CO" dirty="0" err="1"/>
+              <a:t>Random</a:t>
+            </a:r>
+            <a:r>
+              <a:rPr lang="es-CO" altLang="es-CO" dirty="0"/>
+              <a:t> Forest CV espacial</a:t>
+            </a:r>
+          </a:p>
+        </p:txBody>
+      </p:sp>
+      <p:sp>
+        <p:nvSpPr>
+          <p:cNvPr id="11" name="CuadroTexto 10">
+            <a:extLst>
+              <a:ext uri="{FF2B5EF4-FFF2-40B4-BE49-F238E27FC236}">
+                <a16:creationId xmlns:a16="http://schemas.microsoft.com/office/drawing/2014/main" id="{45F5ABE4-E37F-C457-F840-318F45C07DB3}"/>
+              </a:ext>
+            </a:extLst>
+          </p:cNvPr>
+          <p:cNvSpPr txBox="1"/>
+          <p:nvPr/>
+        </p:nvSpPr>
+        <p:spPr>
+          <a:xfrm>
+            <a:off x="1043608" y="5013176"/>
+            <a:ext cx="7165291" cy="1200329"/>
+          </a:xfrm>
+          <a:prstGeom prst="rect">
+            <a:avLst/>
+          </a:prstGeom>
+          <a:noFill/>
+        </p:spPr>
+        <p:txBody>
+          <a:bodyPr wrap="square">
+            <a:spAutoFit/>
+          </a:bodyPr>
+          <a:lstStyle/>
+          <a:p>
+            <a:r>
+              <a:rPr lang="es-ES" dirty="0"/>
+              <a:t>Usando el CV espacial se generalizaron mejor las zonas no vistas. El ensamble por </a:t>
+            </a:r>
+            <a:r>
+              <a:rPr lang="es-ES" dirty="0" err="1"/>
+              <a:t>folds</a:t>
+            </a:r>
+            <a:r>
+              <a:rPr lang="es-ES" dirty="0"/>
+              <a:t> reduce varianza y el bosque capta no linealidades e interacciones entre tamaño, ubicación, distancias y amenidades, entregando predicciones estables sin sobreajuste.</a:t>
+            </a:r>
+          </a:p>
+        </p:txBody>
+      </p:sp>
       <p:pic>
         <p:nvPicPr>
-          <p:cNvPr id="5" name="Imagen 4">
+          <p:cNvPr id="3" name="Imagen 2">
             <a:extLst>
               <a:ext uri="{FF2B5EF4-FFF2-40B4-BE49-F238E27FC236}">
-                <a16:creationId xmlns:a16="http://schemas.microsoft.com/office/drawing/2014/main" id="{E6764B55-0F86-90CD-D38E-6E2CDCF5391D}"/>
+                <a16:creationId xmlns:a16="http://schemas.microsoft.com/office/drawing/2014/main" id="{4909DD69-D753-B1D1-93EE-4D3287566080}"/>
               </a:ext>
             </a:extLst>
           </p:cNvPr>
@@ -3622,114 +3727,18 @@
         </p:blipFill>
         <p:spPr>
           <a:xfrm>
-            <a:off x="827584" y="3645024"/>
-            <a:ext cx="8176800" cy="2448272"/>
+            <a:off x="755576" y="2370580"/>
+            <a:ext cx="8424780" cy="2282556"/>
           </a:xfrm>
           <a:prstGeom prst="rect">
             <a:avLst/>
           </a:prstGeom>
         </p:spPr>
       </p:pic>
-      <p:sp>
-        <p:nvSpPr>
-          <p:cNvPr id="6" name="CuadroTexto 5">
-            <a:extLst>
-              <a:ext uri="{FF2B5EF4-FFF2-40B4-BE49-F238E27FC236}">
-                <a16:creationId xmlns:a16="http://schemas.microsoft.com/office/drawing/2014/main" id="{C4399D47-E4BB-B304-EB39-9AD9BFE3F47E}"/>
-              </a:ext>
-            </a:extLst>
-          </p:cNvPr>
-          <p:cNvSpPr txBox="1"/>
-          <p:nvPr/>
-        </p:nvSpPr>
-        <p:spPr>
-          <a:xfrm>
-            <a:off x="755576" y="2204864"/>
-            <a:ext cx="8176800" cy="1477328"/>
-          </a:xfrm>
-          <a:prstGeom prst="rect">
-            <a:avLst/>
-          </a:prstGeom>
-          <a:noFill/>
-        </p:spPr>
-        <p:txBody>
-          <a:bodyPr wrap="square" rtlCol="0">
-            <a:spAutoFit/>
-          </a:bodyPr>
-          <a:lstStyle/>
-          <a:p>
-            <a:pPr marL="285750" indent="-285750">
-              <a:buFont typeface="Arial" panose="020B0604020202020204" pitchFamily="34" charset="0"/>
-              <a:buChar char="•"/>
-            </a:pPr>
-            <a:r>
-              <a:rPr lang="es-MX" dirty="0"/>
-              <a:t>El objetivo fue </a:t>
-            </a:r>
-            <a:r>
-              <a:rPr lang="es-MX" b="1" dirty="0"/>
-              <a:t>reducir la varianza</a:t>
-            </a:r>
-            <a:r>
-              <a:rPr lang="es-MX" dirty="0"/>
-              <a:t> y </a:t>
-            </a:r>
-            <a:r>
-              <a:rPr lang="es-MX" b="1" dirty="0"/>
-              <a:t>mejorar la estabilidad</a:t>
-            </a:r>
-            <a:r>
-              <a:rPr lang="es-MX" dirty="0"/>
-              <a:t> de las predicciones frente al desbalance de clases (</a:t>
-            </a:r>
-            <a:r>
-              <a:rPr lang="es-MX" i="1" dirty="0"/>
-              <a:t>Pobre: 20%, </a:t>
-            </a:r>
-            <a:r>
-              <a:rPr lang="es-MX" i="1" dirty="0" err="1"/>
-              <a:t>NoPobre</a:t>
-            </a:r>
-            <a:r>
-              <a:rPr lang="es-MX" i="1" dirty="0"/>
-              <a:t>: 80%</a:t>
-            </a:r>
-            <a:r>
-              <a:rPr lang="es-MX" dirty="0"/>
-              <a:t>).</a:t>
-            </a:r>
-          </a:p>
-          <a:p>
-            <a:pPr marL="285750" indent="-285750">
-              <a:buFont typeface="Arial" panose="020B0604020202020204" pitchFamily="34" charset="0"/>
-              <a:buChar char="•"/>
-            </a:pPr>
-            <a:r>
-              <a:rPr lang="es-CO" dirty="0"/>
-              <a:t>Se entrenó con </a:t>
-            </a:r>
-            <a:r>
-              <a:rPr lang="es-CO" b="1" dirty="0"/>
-              <a:t>validación cruzada estratificada</a:t>
-            </a:r>
-            <a:r>
-              <a:rPr lang="es-CO" dirty="0"/>
-              <a:t> (5-fold para XGB, 3-fold para CART) y ponderación de clases</a:t>
-            </a:r>
-          </a:p>
-          <a:p>
-            <a:pPr marL="285750" indent="-285750">
-              <a:buFont typeface="Arial" panose="020B0604020202020204" pitchFamily="34" charset="0"/>
-              <a:buChar char="•"/>
-            </a:pPr>
-            <a:endParaRPr lang="es-CO" dirty="0"/>
-          </a:p>
-        </p:txBody>
-      </p:sp>
     </p:spTree>
     <p:extLst>
       <p:ext uri="{BB962C8B-B14F-4D97-AF65-F5344CB8AC3E}">
-        <p14:creationId xmlns:p14="http://schemas.microsoft.com/office/powerpoint/2010/main" val="2266962237"/>
+        <p14:creationId xmlns:p14="http://schemas.microsoft.com/office/powerpoint/2010/main" val="2214650793"/>
       </p:ext>
     </p:extLst>
   </p:cSld>

--- a/reports/slides/best_equipo_08.pptx
+++ b/reports/slides/best_equipo_08.pptx
@@ -5,14 +5,13 @@
     <p:sldMasterId id="2147483648" r:id="rId1"/>
   </p:sldMasterIdLst>
   <p:notesMasterIdLst>
-    <p:notesMasterId r:id="rId7"/>
+    <p:notesMasterId r:id="rId6"/>
   </p:notesMasterIdLst>
   <p:sldIdLst>
     <p:sldId id="264" r:id="rId2"/>
-    <p:sldId id="271" r:id="rId3"/>
-    <p:sldId id="268" r:id="rId4"/>
-    <p:sldId id="265" r:id="rId5"/>
-    <p:sldId id="267" r:id="rId6"/>
+    <p:sldId id="268" r:id="rId3"/>
+    <p:sldId id="271" r:id="rId4"/>
+    <p:sldId id="267" r:id="rId5"/>
   </p:sldIdLst>
   <p:sldSz cx="9144000" cy="6858000" type="screen4x3"/>
   <p:notesSz cx="6858000" cy="9144000"/>
@@ -284,7 +283,7 @@
               <a:pPr>
                 <a:defRPr/>
               </a:pPr>
-              <a:t>23/11/2025</a:t>
+              <a:t>24/11/2025</a:t>
             </a:fld>
             <a:endParaRPr lang="es-CO"/>
           </a:p>
@@ -3594,6 +3593,1135 @@
           <a:chExt cx="0" cy="0"/>
         </a:xfrm>
       </p:grpSpPr>
+      <mc:AlternateContent xmlns:mc="http://schemas.openxmlformats.org/markup-compatibility/2006">
+        <mc:Choice xmlns:a14="http://schemas.microsoft.com/office/drawing/2010/main" Requires="a14">
+          <p:sp>
+            <p:nvSpPr>
+              <p:cNvPr id="3" name="Marcador de contenido 2">
+                <a:extLst>
+                  <a:ext uri="{FF2B5EF4-FFF2-40B4-BE49-F238E27FC236}">
+                    <a16:creationId xmlns:a16="http://schemas.microsoft.com/office/drawing/2014/main" id="{346CC9CF-3B4E-D5D7-EF51-197780FA79CC}"/>
+                  </a:ext>
+                </a:extLst>
+              </p:cNvPr>
+              <p:cNvSpPr>
+                <a:spLocks noGrp="1"/>
+              </p:cNvSpPr>
+              <p:nvPr>
+                <p:ph idx="1"/>
+              </p:nvPr>
+            </p:nvSpPr>
+            <p:spPr>
+              <a:xfrm>
+                <a:off x="755576" y="1916832"/>
+                <a:ext cx="8388424" cy="4176464"/>
+              </a:xfrm>
+            </p:spPr>
+            <p:txBody>
+              <a:bodyPr/>
+              <a:lstStyle/>
+              <a:p>
+                <a:pPr marL="0" indent="0">
+                  <a:buNone/>
+                </a:pPr>
+                <a:r>
+                  <a:rPr lang="es-CO" sz="1600" b="1" dirty="0"/>
+                  <a:t>Razonamiento detrás del ensamble </a:t>
+                </a:r>
+                <a:r>
+                  <a:rPr lang="es-CO" sz="1600" b="1" dirty="0" err="1"/>
+                  <a:t>Random</a:t>
+                </a:r>
+                <a:r>
+                  <a:rPr lang="es-CO" sz="1600" b="1" dirty="0"/>
+                  <a:t> Forest con CV espacial</a:t>
+                </a:r>
+              </a:p>
+              <a:p>
+                <a:r>
+                  <a:rPr lang="es-CO" sz="1600" b="1" dirty="0"/>
+                  <a:t>Datos usados:</a:t>
+                </a:r>
+              </a:p>
+              <a:p>
+                <a:pPr marL="0" indent="0" algn="ctr">
+                  <a:buNone/>
+                </a:pPr>
+                <a14:m>
+                  <m:oMathPara xmlns:m="http://schemas.openxmlformats.org/officeDocument/2006/math">
+                    <m:oMathParaPr>
+                      <m:jc m:val="centerGroup"/>
+                    </m:oMathParaPr>
+                    <m:oMath xmlns:m="http://schemas.openxmlformats.org/officeDocument/2006/math">
+                      <m:sSub>
+                        <m:sSubPr>
+                          <m:ctrlPr>
+                            <a:rPr lang="es-CO" sz="1600" i="1" smtClean="0">
+                              <a:latin typeface="Cambria Math" panose="02040503050406030204" pitchFamily="18" charset="0"/>
+                            </a:rPr>
+                          </m:ctrlPr>
+                        </m:sSubPr>
+                        <m:e>
+                          <m:r>
+                            <a:rPr lang="es-CO" sz="1600" b="0" i="1" smtClean="0">
+                              <a:latin typeface="Cambria Math" panose="02040503050406030204" pitchFamily="18" charset="0"/>
+                            </a:rPr>
+                            <m:t>𝑃</m:t>
+                          </m:r>
+                        </m:e>
+                        <m:sub>
+                          <m:r>
+                            <a:rPr lang="es-CO" sz="1600" b="0" i="1" smtClean="0">
+                              <a:latin typeface="Cambria Math" panose="02040503050406030204" pitchFamily="18" charset="0"/>
+                            </a:rPr>
+                            <m:t>𝑖</m:t>
+                          </m:r>
+                        </m:sub>
+                      </m:sSub>
+                      <m:r>
+                        <a:rPr lang="es-CO" sz="1600" b="0" i="1" smtClean="0">
+                          <a:latin typeface="Cambria Math" panose="02040503050406030204" pitchFamily="18" charset="0"/>
+                        </a:rPr>
+                        <m:t>=</m:t>
+                      </m:r>
+                      <m:r>
+                        <a:rPr lang="es-CO" sz="1600" b="0" i="1" smtClean="0">
+                          <a:latin typeface="Cambria Math" panose="02040503050406030204" pitchFamily="18" charset="0"/>
+                        </a:rPr>
+                        <m:t>𝑓</m:t>
+                      </m:r>
+                      <m:d>
+                        <m:dPr>
+                          <m:ctrlPr>
+                            <a:rPr lang="es-CO" sz="1600" b="0" i="1" smtClean="0">
+                              <a:latin typeface="Cambria Math" panose="02040503050406030204" pitchFamily="18" charset="0"/>
+                            </a:rPr>
+                          </m:ctrlPr>
+                        </m:dPr>
+                        <m:e>
+                          <m:sSubSup>
+                            <m:sSubSupPr>
+                              <m:ctrlPr>
+                                <a:rPr lang="es-CO" sz="1600" b="0" i="1" smtClean="0">
+                                  <a:latin typeface="Cambria Math" panose="02040503050406030204" pitchFamily="18" charset="0"/>
+                                </a:rPr>
+                              </m:ctrlPr>
+                            </m:sSubSupPr>
+                            <m:e>
+                              <m:r>
+                                <a:rPr lang="es-CO" sz="1600" b="0" i="1" smtClean="0">
+                                  <a:latin typeface="Cambria Math" panose="02040503050406030204" pitchFamily="18" charset="0"/>
+                                </a:rPr>
+                                <m:t>𝑋</m:t>
+                              </m:r>
+                            </m:e>
+                            <m:sub>
+                              <m:r>
+                                <a:rPr lang="es-CO" sz="1600" b="0" i="1" smtClean="0">
+                                  <a:latin typeface="Cambria Math" panose="02040503050406030204" pitchFamily="18" charset="0"/>
+                                </a:rPr>
+                                <m:t>𝑖</m:t>
+                              </m:r>
+                            </m:sub>
+                            <m:sup>
+                              <m:r>
+                                <a:rPr lang="es-CO" sz="1600" b="0" i="1" smtClean="0">
+                                  <a:latin typeface="Cambria Math" panose="02040503050406030204" pitchFamily="18" charset="0"/>
+                                </a:rPr>
+                                <m:t>𝑒𝑠𝑡𝑟𝑢𝑐𝑡𝑢𝑟𝑎</m:t>
+                              </m:r>
+                            </m:sup>
+                          </m:sSubSup>
+                          <m:r>
+                            <a:rPr lang="es-CO" sz="1600" b="0" i="1" smtClean="0">
+                              <a:latin typeface="Cambria Math" panose="02040503050406030204" pitchFamily="18" charset="0"/>
+                            </a:rPr>
+                            <m:t>, </m:t>
+                          </m:r>
+                          <m:sSubSup>
+                            <m:sSubSupPr>
+                              <m:ctrlPr>
+                                <a:rPr lang="es-CO" sz="1600" b="0" i="1" smtClean="0">
+                                  <a:latin typeface="Cambria Math" panose="02040503050406030204" pitchFamily="18" charset="0"/>
+                                </a:rPr>
+                              </m:ctrlPr>
+                            </m:sSubSupPr>
+                            <m:e>
+                              <m:r>
+                                <a:rPr lang="es-CO" sz="1600" b="0" i="1" smtClean="0">
+                                  <a:latin typeface="Cambria Math" panose="02040503050406030204" pitchFamily="18" charset="0"/>
+                                </a:rPr>
+                                <m:t>𝑋</m:t>
+                              </m:r>
+                            </m:e>
+                            <m:sub>
+                              <m:r>
+                                <a:rPr lang="es-CO" sz="1600" b="0" i="1" smtClean="0">
+                                  <a:latin typeface="Cambria Math" panose="02040503050406030204" pitchFamily="18" charset="0"/>
+                                </a:rPr>
+                                <m:t>𝑖</m:t>
+                              </m:r>
+                            </m:sub>
+                            <m:sup>
+                              <m:r>
+                                <a:rPr lang="es-CO" sz="1600" b="0" i="1" smtClean="0">
+                                  <a:latin typeface="Cambria Math" panose="02040503050406030204" pitchFamily="18" charset="0"/>
+                                </a:rPr>
+                                <m:t>𝑎𝑚𝑒𝑛𝑖𝑑𝑎𝑑𝑒𝑠</m:t>
+                              </m:r>
+                            </m:sup>
+                          </m:sSubSup>
+                          <m:r>
+                            <a:rPr lang="es-CO" sz="1600" b="0" i="1" smtClean="0">
+                              <a:latin typeface="Cambria Math" panose="02040503050406030204" pitchFamily="18" charset="0"/>
+                            </a:rPr>
+                            <m:t>, </m:t>
+                          </m:r>
+                          <m:sSubSup>
+                            <m:sSubSupPr>
+                              <m:ctrlPr>
+                                <a:rPr lang="es-CO" sz="1600" b="0" i="1" smtClean="0">
+                                  <a:latin typeface="Cambria Math" panose="02040503050406030204" pitchFamily="18" charset="0"/>
+                                </a:rPr>
+                              </m:ctrlPr>
+                            </m:sSubSupPr>
+                            <m:e>
+                              <m:r>
+                                <a:rPr lang="es-CO" sz="1600" b="0" i="1" smtClean="0">
+                                  <a:latin typeface="Cambria Math" panose="02040503050406030204" pitchFamily="18" charset="0"/>
+                                </a:rPr>
+                                <m:t>𝑋</m:t>
+                              </m:r>
+                            </m:e>
+                            <m:sub>
+                              <m:r>
+                                <a:rPr lang="es-CO" sz="1600" b="0" i="1" smtClean="0">
+                                  <a:latin typeface="Cambria Math" panose="02040503050406030204" pitchFamily="18" charset="0"/>
+                                </a:rPr>
+                                <m:t>𝑖</m:t>
+                              </m:r>
+                            </m:sub>
+                            <m:sup>
+                              <m:r>
+                                <a:rPr lang="es-CO" sz="1600" b="0" i="1" smtClean="0">
+                                  <a:latin typeface="Cambria Math" panose="02040503050406030204" pitchFamily="18" charset="0"/>
+                                </a:rPr>
+                                <m:t>𝑑𝑖𝑠𝑡𝑎𝑛𝑐𝑖𝑎</m:t>
+                              </m:r>
+                            </m:sup>
+                          </m:sSubSup>
+                          <m:r>
+                            <a:rPr lang="es-CO" sz="1600" b="0" i="1" smtClean="0">
+                              <a:latin typeface="Cambria Math" panose="02040503050406030204" pitchFamily="18" charset="0"/>
+                            </a:rPr>
+                            <m:t>, </m:t>
+                          </m:r>
+                          <m:sSubSup>
+                            <m:sSubSupPr>
+                              <m:ctrlPr>
+                                <a:rPr lang="es-CO" sz="1600" b="0" i="1" smtClean="0">
+                                  <a:latin typeface="Cambria Math" panose="02040503050406030204" pitchFamily="18" charset="0"/>
+                                </a:rPr>
+                              </m:ctrlPr>
+                            </m:sSubSupPr>
+                            <m:e>
+                              <m:r>
+                                <a:rPr lang="es-CO" sz="1600" b="0" i="1" smtClean="0">
+                                  <a:latin typeface="Cambria Math" panose="02040503050406030204" pitchFamily="18" charset="0"/>
+                                </a:rPr>
+                                <m:t>𝑋</m:t>
+                              </m:r>
+                            </m:e>
+                            <m:sub>
+                              <m:r>
+                                <a:rPr lang="es-CO" sz="1600" b="0" i="1" smtClean="0">
+                                  <a:latin typeface="Cambria Math" panose="02040503050406030204" pitchFamily="18" charset="0"/>
+                                </a:rPr>
+                                <m:t>𝑖</m:t>
+                              </m:r>
+                            </m:sub>
+                            <m:sup>
+                              <m:r>
+                                <a:rPr lang="es-CO" sz="1600" b="0" i="1" smtClean="0">
+                                  <a:latin typeface="Cambria Math" panose="02040503050406030204" pitchFamily="18" charset="0"/>
+                                </a:rPr>
+                                <m:t>𝑙𝑜𝑐𝑎𝑐𝑖</m:t>
+                              </m:r>
+                              <m:r>
+                                <a:rPr lang="es-CO" sz="1600" b="0" i="1" smtClean="0">
+                                  <a:latin typeface="Cambria Math" panose="02040503050406030204" pitchFamily="18" charset="0"/>
+                                </a:rPr>
+                                <m:t>ó</m:t>
+                              </m:r>
+                              <m:r>
+                                <a:rPr lang="es-CO" sz="1600" b="0" i="1" smtClean="0">
+                                  <a:latin typeface="Cambria Math" panose="02040503050406030204" pitchFamily="18" charset="0"/>
+                                </a:rPr>
+                                <m:t>𝑛</m:t>
+                              </m:r>
+                            </m:sup>
+                          </m:sSubSup>
+                          <m:r>
+                            <a:rPr lang="es-CO" sz="1600" b="0" i="1" smtClean="0">
+                              <a:latin typeface="Cambria Math" panose="02040503050406030204" pitchFamily="18" charset="0"/>
+                            </a:rPr>
+                            <m:t>, </m:t>
+                          </m:r>
+                          <m:sSubSup>
+                            <m:sSubSupPr>
+                              <m:ctrlPr>
+                                <a:rPr lang="es-CO" sz="1600" b="0" i="1" smtClean="0">
+                                  <a:latin typeface="Cambria Math" panose="02040503050406030204" pitchFamily="18" charset="0"/>
+                                </a:rPr>
+                              </m:ctrlPr>
+                            </m:sSubSupPr>
+                            <m:e>
+                              <m:r>
+                                <a:rPr lang="es-CO" sz="1600" b="0" i="1" smtClean="0">
+                                  <a:latin typeface="Cambria Math" panose="02040503050406030204" pitchFamily="18" charset="0"/>
+                                </a:rPr>
+                                <m:t>𝑋</m:t>
+                              </m:r>
+                            </m:e>
+                            <m:sub>
+                              <m:r>
+                                <a:rPr lang="es-CO" sz="1600" b="0" i="1" smtClean="0">
+                                  <a:latin typeface="Cambria Math" panose="02040503050406030204" pitchFamily="18" charset="0"/>
+                                </a:rPr>
+                                <m:t>𝑖</m:t>
+                              </m:r>
+                            </m:sub>
+                            <m:sup>
+                              <m:r>
+                                <a:rPr lang="es-CO" sz="1600" b="0" i="1" smtClean="0">
+                                  <a:latin typeface="Cambria Math" panose="02040503050406030204" pitchFamily="18" charset="0"/>
+                                </a:rPr>
+                                <m:t>𝑡𝑖𝑒𝑚𝑝𝑜</m:t>
+                              </m:r>
+                            </m:sup>
+                          </m:sSubSup>
+                          <m:r>
+                            <a:rPr lang="es-CO" sz="1600" b="0" i="1" smtClean="0">
+                              <a:latin typeface="Cambria Math" panose="02040503050406030204" pitchFamily="18" charset="0"/>
+                            </a:rPr>
+                            <m:t>, </m:t>
+                          </m:r>
+                          <m:sSubSup>
+                            <m:sSubSupPr>
+                              <m:ctrlPr>
+                                <a:rPr lang="es-CO" sz="1600" b="0" i="1" smtClean="0">
+                                  <a:latin typeface="Cambria Math" panose="02040503050406030204" pitchFamily="18" charset="0"/>
+                                </a:rPr>
+                              </m:ctrlPr>
+                            </m:sSubSupPr>
+                            <m:e>
+                              <m:r>
+                                <a:rPr lang="es-CO" sz="1600" b="0" i="1" smtClean="0">
+                                  <a:latin typeface="Cambria Math" panose="02040503050406030204" pitchFamily="18" charset="0"/>
+                                </a:rPr>
+                                <m:t>𝑋</m:t>
+                              </m:r>
+                            </m:e>
+                            <m:sub>
+                              <m:r>
+                                <a:rPr lang="es-CO" sz="1600" b="0" i="1" smtClean="0">
+                                  <a:latin typeface="Cambria Math" panose="02040503050406030204" pitchFamily="18" charset="0"/>
+                                </a:rPr>
+                                <m:t>𝑖</m:t>
+                              </m:r>
+                            </m:sub>
+                            <m:sup>
+                              <m:r>
+                                <a:rPr lang="es-CO" sz="1600" b="0" i="1" smtClean="0">
+                                  <a:latin typeface="Cambria Math" panose="02040503050406030204" pitchFamily="18" charset="0"/>
+                                </a:rPr>
+                                <m:t>𝑡𝑖𝑝𝑜</m:t>
+                              </m:r>
+                            </m:sup>
+                          </m:sSubSup>
+                        </m:e>
+                      </m:d>
+                      <m:r>
+                        <a:rPr lang="es-CO" sz="1600" b="0" i="1" smtClean="0">
+                          <a:latin typeface="Cambria Math" panose="02040503050406030204" pitchFamily="18" charset="0"/>
+                        </a:rPr>
+                        <m:t>+ </m:t>
+                      </m:r>
+                      <m:sSub>
+                        <m:sSubPr>
+                          <m:ctrlPr>
+                            <a:rPr lang="es-CO" sz="1600" b="0" i="1" smtClean="0">
+                              <a:latin typeface="Cambria Math" panose="02040503050406030204" pitchFamily="18" charset="0"/>
+                            </a:rPr>
+                          </m:ctrlPr>
+                        </m:sSubPr>
+                        <m:e>
+                          <m:r>
+                            <a:rPr lang="es-CO" sz="1600" b="0" i="1" smtClean="0">
+                              <a:latin typeface="Cambria Math" panose="02040503050406030204" pitchFamily="18" charset="0"/>
+                            </a:rPr>
+                            <m:t>𝑢</m:t>
+                          </m:r>
+                        </m:e>
+                        <m:sub>
+                          <m:r>
+                            <a:rPr lang="es-CO" sz="1600" b="0" i="1" smtClean="0">
+                              <a:latin typeface="Cambria Math" panose="02040503050406030204" pitchFamily="18" charset="0"/>
+                            </a:rPr>
+                            <m:t>𝑖</m:t>
+                          </m:r>
+                        </m:sub>
+                      </m:sSub>
+                    </m:oMath>
+                  </m:oMathPara>
+                </a14:m>
+                <a:br>
+                  <a:rPr lang="es-CO" sz="1600" dirty="0"/>
+                </a:br>
+                <a:r>
+                  <a:rPr lang="es-ES" sz="1600" dirty="0"/>
+                  <a:t>La función f captura no linealidades e interacciones entre estructura, amenidades, distancias y ubicación.</a:t>
+                </a:r>
+                <a:endParaRPr lang="es-CO" sz="1600" dirty="0"/>
+              </a:p>
+              <a:p>
+                <a:r>
+                  <a:rPr lang="es-CO" sz="1600" b="1" dirty="0"/>
+                  <a:t>Complementariedad estructural:</a:t>
+                </a:r>
+                <a:endParaRPr lang="es-CO" sz="1600" dirty="0"/>
+              </a:p>
+              <a:p>
+                <a:pPr marL="800100" lvl="1" indent="-400050">
+                  <a:spcBef>
+                    <a:spcPct val="0"/>
+                  </a:spcBef>
+                  <a:buFont typeface="+mj-lt"/>
+                  <a:buAutoNum type="romanLcPeriod"/>
+                </a:pPr>
+                <a:r>
+                  <a:rPr lang="en-US" altLang="en-US" sz="1600" dirty="0"/>
+                  <a:t>Se </a:t>
+                </a:r>
+                <a:r>
+                  <a:rPr lang="en-US" altLang="en-US" sz="1600" dirty="0" err="1"/>
+                  <a:t>quitaron</a:t>
+                </a:r>
+                <a:r>
+                  <a:rPr lang="en-US" altLang="en-US" sz="1600" dirty="0"/>
+                  <a:t> columnas de </a:t>
+                </a:r>
+                <a:r>
+                  <a:rPr lang="en-US" altLang="en-US" sz="1600" b="1" dirty="0" err="1"/>
+                  <a:t>varianza</a:t>
+                </a:r>
+                <a:r>
+                  <a:rPr lang="en-US" altLang="en-US" sz="1600" b="1" dirty="0"/>
+                  <a:t> cero</a:t>
+                </a:r>
+                <a:r>
+                  <a:rPr lang="en-US" altLang="en-US" sz="1600" dirty="0"/>
+                  <a:t> y se </a:t>
+                </a:r>
+                <a:r>
+                  <a:rPr lang="en-US" altLang="en-US" sz="1600" b="1" dirty="0" err="1"/>
+                  <a:t>alinearon</a:t>
+                </a:r>
+                <a:r>
+                  <a:rPr lang="en-US" altLang="en-US" sz="1600" b="1" dirty="0"/>
+                  <a:t> </a:t>
+                </a:r>
+                <a:r>
+                  <a:rPr lang="en-US" altLang="en-US" sz="1600" b="1" dirty="0" err="1"/>
+                  <a:t>niveles</a:t>
+                </a:r>
+                <a:r>
+                  <a:rPr lang="en-US" altLang="en-US" sz="1600" dirty="0"/>
+                  <a:t> entre train/test.</a:t>
+                </a:r>
+              </a:p>
+              <a:p>
+                <a:pPr marL="800100" lvl="1" indent="-400050">
+                  <a:spcBef>
+                    <a:spcPct val="0"/>
+                  </a:spcBef>
+                  <a:buFont typeface="+mj-lt"/>
+                  <a:buAutoNum type="romanLcPeriod"/>
+                </a:pPr>
+                <a14:m>
+                  <m:oMath xmlns:m="http://schemas.openxmlformats.org/officeDocument/2006/math">
+                    <m:sSubSup>
+                      <m:sSubSupPr>
+                        <m:ctrlPr>
+                          <a:rPr lang="en-US" altLang="en-US" sz="1600" i="1" smtClean="0">
+                            <a:latin typeface="Cambria Math" panose="02040503050406030204" pitchFamily="18" charset="0"/>
+                          </a:rPr>
+                        </m:ctrlPr>
+                      </m:sSubSupPr>
+                      <m:e>
+                        <m:r>
+                          <a:rPr lang="es-CO" altLang="en-US" sz="1600" b="0" i="1" smtClean="0">
+                            <a:latin typeface="Cambria Math" panose="02040503050406030204" pitchFamily="18" charset="0"/>
+                          </a:rPr>
+                          <m:t>𝑋</m:t>
+                        </m:r>
+                      </m:e>
+                      <m:sub>
+                        <m:r>
+                          <a:rPr lang="es-CO" altLang="en-US" sz="1600" b="0" i="1" smtClean="0">
+                            <a:latin typeface="Cambria Math" panose="02040503050406030204" pitchFamily="18" charset="0"/>
+                          </a:rPr>
+                          <m:t>𝑖</m:t>
+                        </m:r>
+                      </m:sub>
+                      <m:sup>
+                        <m:r>
+                          <a:rPr lang="es-CO" altLang="en-US" sz="1600" b="0" i="1" smtClean="0">
+                            <a:latin typeface="Cambria Math" panose="02040503050406030204" pitchFamily="18" charset="0"/>
+                          </a:rPr>
+                          <m:t>𝑎𝑚𝑒𝑛𝑖𝑑𝑎𝑑𝑒𝑠</m:t>
+                        </m:r>
+                      </m:sup>
+                    </m:sSubSup>
+                  </m:oMath>
+                </a14:m>
+                <a:r>
+                  <a:rPr lang="es-ES" sz="1600" dirty="0"/>
+                  <a:t>     dummies indicando si cuenta con variables como garaje, etc.</a:t>
+                </a:r>
+              </a:p>
+              <a:p>
+                <a:pPr marL="800100" lvl="1" indent="-400050">
+                  <a:spcBef>
+                    <a:spcPct val="0"/>
+                  </a:spcBef>
+                  <a:buFont typeface="+mj-lt"/>
+                  <a:buAutoNum type="romanLcPeriod"/>
+                </a:pPr>
+                <a14:m>
+                  <m:oMath xmlns:m="http://schemas.openxmlformats.org/officeDocument/2006/math">
+                    <m:sSubSup>
+                      <m:sSubSupPr>
+                        <m:ctrlPr>
+                          <a:rPr lang="en-US" i="1" smtClean="0">
+                            <a:latin typeface="Cambria Math" panose="02040503050406030204" pitchFamily="18" charset="0"/>
+                          </a:rPr>
+                        </m:ctrlPr>
+                      </m:sSubSupPr>
+                      <m:e>
+                        <m:r>
+                          <a:rPr lang="es-CO" b="0" i="1" smtClean="0">
+                            <a:latin typeface="Cambria Math" panose="02040503050406030204" pitchFamily="18" charset="0"/>
+                          </a:rPr>
+                          <m:t>𝑋</m:t>
+                        </m:r>
+                      </m:e>
+                      <m:sub>
+                        <m:r>
+                          <a:rPr lang="es-CO" b="0" i="1" smtClean="0">
+                            <a:latin typeface="Cambria Math" panose="02040503050406030204" pitchFamily="18" charset="0"/>
+                          </a:rPr>
+                          <m:t>𝑖</m:t>
+                        </m:r>
+                      </m:sub>
+                      <m:sup>
+                        <m:r>
+                          <a:rPr lang="es-CO" b="0" i="1" smtClean="0">
+                            <a:latin typeface="Cambria Math" panose="02040503050406030204" pitchFamily="18" charset="0"/>
+                          </a:rPr>
+                          <m:t>𝑒𝑠𝑡𝑟𝑢𝑐𝑡𝑢𝑟𝑎</m:t>
+                        </m:r>
+                      </m:sup>
+                    </m:sSubSup>
+                  </m:oMath>
+                </a14:m>
+                <a:r>
+                  <a:rPr lang="es-ES" sz="1600" b="1" dirty="0"/>
+                  <a:t>     </a:t>
+                </a:r>
+                <a:r>
+                  <a:rPr lang="es-ES" sz="1600" dirty="0"/>
+                  <a:t>cantidad de habitaciones, baños, superficie, etc.</a:t>
+                </a:r>
+              </a:p>
+              <a:p>
+                <a:pPr marL="800100" lvl="1" indent="-400050">
+                  <a:spcBef>
+                    <a:spcPct val="0"/>
+                  </a:spcBef>
+                  <a:buFont typeface="+mj-lt"/>
+                  <a:buAutoNum type="romanLcPeriod"/>
+                </a:pPr>
+                <a14:m>
+                  <m:oMath xmlns:m="http://schemas.openxmlformats.org/officeDocument/2006/math">
+                    <m:sSubSup>
+                      <m:sSubSupPr>
+                        <m:ctrlPr>
+                          <a:rPr lang="es-ES" sz="1600" i="1" smtClean="0">
+                            <a:latin typeface="Cambria Math" panose="02040503050406030204" pitchFamily="18" charset="0"/>
+                          </a:rPr>
+                        </m:ctrlPr>
+                      </m:sSubSupPr>
+                      <m:e>
+                        <m:r>
+                          <a:rPr lang="es-CO" sz="1600" b="0" i="1" smtClean="0">
+                            <a:latin typeface="Cambria Math" panose="02040503050406030204" pitchFamily="18" charset="0"/>
+                          </a:rPr>
+                          <m:t>𝑋</m:t>
+                        </m:r>
+                      </m:e>
+                      <m:sub>
+                        <m:r>
+                          <a:rPr lang="es-CO" sz="1600" b="0" i="1" smtClean="0">
+                            <a:latin typeface="Cambria Math" panose="02040503050406030204" pitchFamily="18" charset="0"/>
+                          </a:rPr>
+                          <m:t>𝑖</m:t>
+                        </m:r>
+                      </m:sub>
+                      <m:sup>
+                        <m:r>
+                          <a:rPr lang="es-CO" sz="1600" b="0" i="1" smtClean="0">
+                            <a:latin typeface="Cambria Math" panose="02040503050406030204" pitchFamily="18" charset="0"/>
+                          </a:rPr>
+                          <m:t>𝑑𝑖𝑠𝑡𝑎𝑛𝑐𝑖𝑎</m:t>
+                        </m:r>
+                      </m:sup>
+                    </m:sSubSup>
+                  </m:oMath>
+                </a14:m>
+                <a:r>
+                  <a:rPr lang="es-ES" sz="1600" dirty="0"/>
+                  <a:t>     distancia a colegios, restaurantes etc.</a:t>
+                </a:r>
+              </a:p>
+              <a:p>
+                <a:pPr marL="800100" lvl="1" indent="-400050">
+                  <a:spcBef>
+                    <a:spcPct val="0"/>
+                  </a:spcBef>
+                  <a:buFont typeface="+mj-lt"/>
+                  <a:buAutoNum type="romanLcPeriod"/>
+                </a:pPr>
+                <a14:m>
+                  <m:oMath xmlns:m="http://schemas.openxmlformats.org/officeDocument/2006/math">
+                    <m:sSubSup>
+                      <m:sSubSupPr>
+                        <m:ctrlPr>
+                          <a:rPr lang="es-CO" sz="1600" i="1" smtClean="0">
+                            <a:latin typeface="Cambria Math" panose="02040503050406030204" pitchFamily="18" charset="0"/>
+                          </a:rPr>
+                        </m:ctrlPr>
+                      </m:sSubSupPr>
+                      <m:e>
+                        <m:r>
+                          <a:rPr lang="es-CO" sz="1600" b="0" i="1" smtClean="0">
+                            <a:latin typeface="Cambria Math" panose="02040503050406030204" pitchFamily="18" charset="0"/>
+                          </a:rPr>
+                          <m:t>𝑋</m:t>
+                        </m:r>
+                      </m:e>
+                      <m:sub>
+                        <m:r>
+                          <a:rPr lang="es-CO" sz="1600" b="0" i="1" smtClean="0">
+                            <a:latin typeface="Cambria Math" panose="02040503050406030204" pitchFamily="18" charset="0"/>
+                          </a:rPr>
+                          <m:t>𝑖</m:t>
+                        </m:r>
+                      </m:sub>
+                      <m:sup>
+                        <m:r>
+                          <a:rPr lang="es-CO" sz="1600" b="0" i="1" smtClean="0">
+                            <a:latin typeface="Cambria Math" panose="02040503050406030204" pitchFamily="18" charset="0"/>
+                          </a:rPr>
+                          <m:t>𝑙𝑜𝑐𝑎𝑐𝑖</m:t>
+                        </m:r>
+                        <m:r>
+                          <a:rPr lang="es-CO" sz="1600" b="0" i="1" smtClean="0">
+                            <a:latin typeface="Cambria Math" panose="02040503050406030204" pitchFamily="18" charset="0"/>
+                          </a:rPr>
+                          <m:t>ó</m:t>
+                        </m:r>
+                        <m:r>
+                          <a:rPr lang="es-CO" sz="1600" b="0" i="1" smtClean="0">
+                            <a:latin typeface="Cambria Math" panose="02040503050406030204" pitchFamily="18" charset="0"/>
+                          </a:rPr>
+                          <m:t>𝑛</m:t>
+                        </m:r>
+                      </m:sup>
+                    </m:sSubSup>
+                  </m:oMath>
+                </a14:m>
+                <a:r>
+                  <a:rPr lang="es-CO" sz="1600" dirty="0"/>
+                  <a:t>      localidad y barrio.</a:t>
+                </a:r>
+              </a:p>
+              <a:p>
+                <a:pPr marL="800100" lvl="1" indent="-400050">
+                  <a:spcBef>
+                    <a:spcPct val="0"/>
+                  </a:spcBef>
+                  <a:buFont typeface="+mj-lt"/>
+                  <a:buAutoNum type="romanLcPeriod"/>
+                </a:pPr>
+                <a14:m>
+                  <m:oMath xmlns:m="http://schemas.openxmlformats.org/officeDocument/2006/math">
+                    <m:sSubSup>
+                      <m:sSubSupPr>
+                        <m:ctrlPr>
+                          <a:rPr lang="es-CO" sz="1600" i="1" smtClean="0">
+                            <a:latin typeface="Cambria Math" panose="02040503050406030204" pitchFamily="18" charset="0"/>
+                          </a:rPr>
+                        </m:ctrlPr>
+                      </m:sSubSupPr>
+                      <m:e>
+                        <m:r>
+                          <a:rPr lang="es-CO" sz="1600" b="0" i="1" smtClean="0">
+                            <a:latin typeface="Cambria Math" panose="02040503050406030204" pitchFamily="18" charset="0"/>
+                          </a:rPr>
+                          <m:t>𝑋</m:t>
+                        </m:r>
+                      </m:e>
+                      <m:sub>
+                        <m:r>
+                          <a:rPr lang="es-CO" sz="1600" b="0" i="1" smtClean="0">
+                            <a:latin typeface="Cambria Math" panose="02040503050406030204" pitchFamily="18" charset="0"/>
+                          </a:rPr>
+                          <m:t>𝑖</m:t>
+                        </m:r>
+                      </m:sub>
+                      <m:sup>
+                        <m:r>
+                          <a:rPr lang="es-CO" sz="1600" b="0" i="1" smtClean="0">
+                            <a:latin typeface="Cambria Math" panose="02040503050406030204" pitchFamily="18" charset="0"/>
+                          </a:rPr>
+                          <m:t>𝑡𝑖𝑒𝑚𝑝𝑜</m:t>
+                        </m:r>
+                      </m:sup>
+                    </m:sSubSup>
+                  </m:oMath>
+                </a14:m>
+                <a:r>
+                  <a:rPr lang="es-CO" sz="1600" dirty="0"/>
+                  <a:t>     mes y año.</a:t>
+                </a:r>
+              </a:p>
+              <a:p>
+                <a:pPr marL="800100" lvl="1" indent="-400050">
+                  <a:spcBef>
+                    <a:spcPct val="0"/>
+                  </a:spcBef>
+                  <a:buFont typeface="+mj-lt"/>
+                  <a:buAutoNum type="romanLcPeriod"/>
+                </a:pPr>
+                <a14:m>
+                  <m:oMath xmlns:m="http://schemas.openxmlformats.org/officeDocument/2006/math">
+                    <m:sSubSup>
+                      <m:sSubSupPr>
+                        <m:ctrlPr>
+                          <a:rPr lang="es-CO" sz="1600" i="1" smtClean="0">
+                            <a:latin typeface="Cambria Math" panose="02040503050406030204" pitchFamily="18" charset="0"/>
+                          </a:rPr>
+                        </m:ctrlPr>
+                      </m:sSubSupPr>
+                      <m:e>
+                        <m:r>
+                          <a:rPr lang="es-CO" sz="1600" b="0" i="1" smtClean="0">
+                            <a:latin typeface="Cambria Math" panose="02040503050406030204" pitchFamily="18" charset="0"/>
+                          </a:rPr>
+                          <m:t>𝑋</m:t>
+                        </m:r>
+                      </m:e>
+                      <m:sub>
+                        <m:r>
+                          <a:rPr lang="es-CO" sz="1600" b="0" i="1" smtClean="0">
+                            <a:latin typeface="Cambria Math" panose="02040503050406030204" pitchFamily="18" charset="0"/>
+                          </a:rPr>
+                          <m:t>𝑖</m:t>
+                        </m:r>
+                      </m:sub>
+                      <m:sup>
+                        <m:r>
+                          <a:rPr lang="es-CO" sz="1600" b="0" i="1" smtClean="0">
+                            <a:latin typeface="Cambria Math" panose="02040503050406030204" pitchFamily="18" charset="0"/>
+                          </a:rPr>
+                          <m:t>𝑡𝑖𝑝𝑜</m:t>
+                        </m:r>
+                      </m:sup>
+                    </m:sSubSup>
+                  </m:oMath>
+                </a14:m>
+                <a:r>
+                  <a:rPr lang="es-CO" sz="1600" dirty="0"/>
+                  <a:t>      casa o apartamento.</a:t>
+                </a:r>
+              </a:p>
+              <a:p>
+                <a:pPr marL="800100" lvl="1" indent="-400050">
+                  <a:spcBef>
+                    <a:spcPct val="0"/>
+                  </a:spcBef>
+                  <a:buFont typeface="+mj-lt"/>
+                  <a:buAutoNum type="romanLcPeriod"/>
+                </a:pPr>
+                <a:endParaRPr lang="en-US" altLang="en-US" sz="1600" dirty="0"/>
+              </a:p>
+              <a:p>
+                <a:endParaRPr lang="es-CO" dirty="0"/>
+              </a:p>
+            </p:txBody>
+          </p:sp>
+        </mc:Choice>
+        <mc:Fallback>
+          <p:sp>
+            <p:nvSpPr>
+              <p:cNvPr id="3" name="Marcador de contenido 2">
+                <a:extLst>
+                  <a:ext uri="{FF2B5EF4-FFF2-40B4-BE49-F238E27FC236}">
+                    <a16:creationId xmlns:a16="http://schemas.microsoft.com/office/drawing/2014/main" id="{346CC9CF-3B4E-D5D7-EF51-197780FA79CC}"/>
+                  </a:ext>
+                </a:extLst>
+              </p:cNvPr>
+              <p:cNvSpPr>
+                <a:spLocks noGrp="1" noRot="1" noChangeAspect="1" noMove="1" noResize="1" noEditPoints="1" noAdjustHandles="1" noChangeArrowheads="1" noChangeShapeType="1" noTextEdit="1"/>
+              </p:cNvSpPr>
+              <p:nvPr>
+                <p:ph idx="1"/>
+              </p:nvPr>
+            </p:nvSpPr>
+            <p:spPr>
+              <a:xfrm>
+                <a:off x="755576" y="1916832"/>
+                <a:ext cx="8388424" cy="4176464"/>
+              </a:xfrm>
+              <a:blipFill>
+                <a:blip r:embed="rId2"/>
+                <a:stretch>
+                  <a:fillRect l="-436" t="-437"/>
+                </a:stretch>
+              </a:blipFill>
+            </p:spPr>
+            <p:txBody>
+              <a:bodyPr/>
+              <a:lstStyle/>
+              <a:p>
+                <a:r>
+                  <a:rPr lang="en-US">
+                    <a:noFill/>
+                  </a:rPr>
+                  <a:t> </a:t>
+                </a:r>
+              </a:p>
+            </p:txBody>
+          </p:sp>
+        </mc:Fallback>
+      </mc:AlternateContent>
+      <p:sp>
+        <p:nvSpPr>
+          <p:cNvPr id="6" name="Flecha: a la derecha 5">
+            <a:extLst>
+              <a:ext uri="{FF2B5EF4-FFF2-40B4-BE49-F238E27FC236}">
+                <a16:creationId xmlns:a16="http://schemas.microsoft.com/office/drawing/2014/main" id="{D9FA43A4-DF03-B729-84EE-12CDB9E7439D}"/>
+              </a:ext>
+            </a:extLst>
+          </p:cNvPr>
+          <p:cNvSpPr/>
+          <p:nvPr/>
+        </p:nvSpPr>
+        <p:spPr>
+          <a:xfrm>
+            <a:off x="2771800" y="3942120"/>
+            <a:ext cx="144016" cy="144016"/>
+          </a:xfrm>
+          <a:prstGeom prst="rightArrow">
+            <a:avLst/>
+          </a:prstGeom>
+        </p:spPr>
+        <p:style>
+          <a:lnRef idx="2">
+            <a:schemeClr val="accent1">
+              <a:shade val="15000"/>
+            </a:schemeClr>
+          </a:lnRef>
+          <a:fillRef idx="1">
+            <a:schemeClr val="accent1"/>
+          </a:fillRef>
+          <a:effectRef idx="0">
+            <a:schemeClr val="accent1"/>
+          </a:effectRef>
+          <a:fontRef idx="minor">
+            <a:schemeClr val="lt1"/>
+          </a:fontRef>
+        </p:style>
+        <p:txBody>
+          <a:bodyPr rtlCol="0" anchor="ctr"/>
+          <a:lstStyle/>
+          <a:p>
+            <a:pPr algn="ctr"/>
+            <a:endParaRPr lang="en-US"/>
+          </a:p>
+        </p:txBody>
+      </p:sp>
+      <p:sp>
+        <p:nvSpPr>
+          <p:cNvPr id="7" name="Flecha: a la derecha 6">
+            <a:extLst>
+              <a:ext uri="{FF2B5EF4-FFF2-40B4-BE49-F238E27FC236}">
+                <a16:creationId xmlns:a16="http://schemas.microsoft.com/office/drawing/2014/main" id="{ACFDE850-490A-65D9-5B8D-EC847F8EBB3B}"/>
+              </a:ext>
+            </a:extLst>
+          </p:cNvPr>
+          <p:cNvSpPr/>
+          <p:nvPr/>
+        </p:nvSpPr>
+        <p:spPr>
+          <a:xfrm>
+            <a:off x="2771800" y="4221088"/>
+            <a:ext cx="144016" cy="144016"/>
+          </a:xfrm>
+          <a:prstGeom prst="rightArrow">
+            <a:avLst/>
+          </a:prstGeom>
+        </p:spPr>
+        <p:style>
+          <a:lnRef idx="2">
+            <a:schemeClr val="accent1">
+              <a:shade val="15000"/>
+            </a:schemeClr>
+          </a:lnRef>
+          <a:fillRef idx="1">
+            <a:schemeClr val="accent1"/>
+          </a:fillRef>
+          <a:effectRef idx="0">
+            <a:schemeClr val="accent1"/>
+          </a:effectRef>
+          <a:fontRef idx="minor">
+            <a:schemeClr val="lt1"/>
+          </a:fontRef>
+        </p:style>
+        <p:txBody>
+          <a:bodyPr rtlCol="0" anchor="ctr"/>
+          <a:lstStyle/>
+          <a:p>
+            <a:pPr algn="ctr"/>
+            <a:endParaRPr lang="en-US" dirty="0"/>
+          </a:p>
+        </p:txBody>
+      </p:sp>
+      <p:sp>
+        <p:nvSpPr>
+          <p:cNvPr id="8" name="Flecha: a la derecha 7">
+            <a:extLst>
+              <a:ext uri="{FF2B5EF4-FFF2-40B4-BE49-F238E27FC236}">
+                <a16:creationId xmlns:a16="http://schemas.microsoft.com/office/drawing/2014/main" id="{B7BA28A2-45D2-89CF-2AB9-CB96B7679DAC}"/>
+              </a:ext>
+            </a:extLst>
+          </p:cNvPr>
+          <p:cNvSpPr/>
+          <p:nvPr/>
+        </p:nvSpPr>
+        <p:spPr>
+          <a:xfrm>
+            <a:off x="2555776" y="4509120"/>
+            <a:ext cx="144016" cy="144016"/>
+          </a:xfrm>
+          <a:prstGeom prst="rightArrow">
+            <a:avLst/>
+          </a:prstGeom>
+        </p:spPr>
+        <p:style>
+          <a:lnRef idx="2">
+            <a:schemeClr val="accent1">
+              <a:shade val="15000"/>
+            </a:schemeClr>
+          </a:lnRef>
+          <a:fillRef idx="1">
+            <a:schemeClr val="accent1"/>
+          </a:fillRef>
+          <a:effectRef idx="0">
+            <a:schemeClr val="accent1"/>
+          </a:effectRef>
+          <a:fontRef idx="minor">
+            <a:schemeClr val="lt1"/>
+          </a:fontRef>
+        </p:style>
+        <p:txBody>
+          <a:bodyPr rtlCol="0" anchor="ctr"/>
+          <a:lstStyle/>
+          <a:p>
+            <a:pPr algn="ctr"/>
+            <a:endParaRPr lang="en-US" dirty="0"/>
+          </a:p>
+        </p:txBody>
+      </p:sp>
+      <p:sp>
+        <p:nvSpPr>
+          <p:cNvPr id="9" name="Flecha: a la derecha 8">
+            <a:extLst>
+              <a:ext uri="{FF2B5EF4-FFF2-40B4-BE49-F238E27FC236}">
+                <a16:creationId xmlns:a16="http://schemas.microsoft.com/office/drawing/2014/main" id="{31FCA4AB-E72F-B92A-7E33-45FAD502C46E}"/>
+              </a:ext>
+            </a:extLst>
+          </p:cNvPr>
+          <p:cNvSpPr/>
+          <p:nvPr/>
+        </p:nvSpPr>
+        <p:spPr>
+          <a:xfrm>
+            <a:off x="2505168" y="4797152"/>
+            <a:ext cx="144016" cy="144016"/>
+          </a:xfrm>
+          <a:prstGeom prst="rightArrow">
+            <a:avLst/>
+          </a:prstGeom>
+        </p:spPr>
+        <p:style>
+          <a:lnRef idx="2">
+            <a:schemeClr val="accent1">
+              <a:shade val="15000"/>
+            </a:schemeClr>
+          </a:lnRef>
+          <a:fillRef idx="1">
+            <a:schemeClr val="accent1"/>
+          </a:fillRef>
+          <a:effectRef idx="0">
+            <a:schemeClr val="accent1"/>
+          </a:effectRef>
+          <a:fontRef idx="minor">
+            <a:schemeClr val="lt1"/>
+          </a:fontRef>
+        </p:style>
+        <p:txBody>
+          <a:bodyPr rtlCol="0" anchor="ctr"/>
+          <a:lstStyle/>
+          <a:p>
+            <a:pPr algn="ctr"/>
+            <a:endParaRPr lang="en-US" dirty="0"/>
+          </a:p>
+        </p:txBody>
+      </p:sp>
+      <p:sp>
+        <p:nvSpPr>
+          <p:cNvPr id="10" name="Flecha: a la derecha 9">
+            <a:extLst>
+              <a:ext uri="{FF2B5EF4-FFF2-40B4-BE49-F238E27FC236}">
+                <a16:creationId xmlns:a16="http://schemas.microsoft.com/office/drawing/2014/main" id="{D8822F0A-10F9-4736-9E33-998D201F854A}"/>
+              </a:ext>
+            </a:extLst>
+          </p:cNvPr>
+          <p:cNvSpPr/>
+          <p:nvPr/>
+        </p:nvSpPr>
+        <p:spPr>
+          <a:xfrm>
+            <a:off x="2396952" y="5065560"/>
+            <a:ext cx="144016" cy="144016"/>
+          </a:xfrm>
+          <a:prstGeom prst="rightArrow">
+            <a:avLst/>
+          </a:prstGeom>
+        </p:spPr>
+        <p:style>
+          <a:lnRef idx="2">
+            <a:schemeClr val="accent1">
+              <a:shade val="15000"/>
+            </a:schemeClr>
+          </a:lnRef>
+          <a:fillRef idx="1">
+            <a:schemeClr val="accent1"/>
+          </a:fillRef>
+          <a:effectRef idx="0">
+            <a:schemeClr val="accent1"/>
+          </a:effectRef>
+          <a:fontRef idx="minor">
+            <a:schemeClr val="lt1"/>
+          </a:fontRef>
+        </p:style>
+        <p:txBody>
+          <a:bodyPr rtlCol="0" anchor="ctr"/>
+          <a:lstStyle/>
+          <a:p>
+            <a:pPr algn="ctr"/>
+            <a:endParaRPr lang="en-US" dirty="0"/>
+          </a:p>
+        </p:txBody>
+      </p:sp>
+      <p:sp>
+        <p:nvSpPr>
+          <p:cNvPr id="11" name="Flecha: a la derecha 10">
+            <a:extLst>
+              <a:ext uri="{FF2B5EF4-FFF2-40B4-BE49-F238E27FC236}">
+                <a16:creationId xmlns:a16="http://schemas.microsoft.com/office/drawing/2014/main" id="{67DFCD23-5F26-A6AC-E5F6-CC2B37A8096C}"/>
+              </a:ext>
+            </a:extLst>
+          </p:cNvPr>
+          <p:cNvSpPr/>
+          <p:nvPr/>
+        </p:nvSpPr>
+        <p:spPr>
+          <a:xfrm>
+            <a:off x="2195736" y="5373216"/>
+            <a:ext cx="144016" cy="144016"/>
+          </a:xfrm>
+          <a:prstGeom prst="rightArrow">
+            <a:avLst/>
+          </a:prstGeom>
+        </p:spPr>
+        <p:style>
+          <a:lnRef idx="2">
+            <a:schemeClr val="accent1">
+              <a:shade val="15000"/>
+            </a:schemeClr>
+          </a:lnRef>
+          <a:fillRef idx="1">
+            <a:schemeClr val="accent1"/>
+          </a:fillRef>
+          <a:effectRef idx="0">
+            <a:schemeClr val="accent1"/>
+          </a:effectRef>
+          <a:fontRef idx="minor">
+            <a:schemeClr val="lt1"/>
+          </a:fontRef>
+        </p:style>
+        <p:txBody>
+          <a:bodyPr rtlCol="0" anchor="ctr"/>
+          <a:lstStyle/>
+          <a:p>
+            <a:pPr algn="ctr"/>
+            <a:endParaRPr lang="en-US" dirty="0"/>
+          </a:p>
+        </p:txBody>
+      </p:sp>
+    </p:spTree>
+    <p:extLst>
+      <p:ext uri="{BB962C8B-B14F-4D97-AF65-F5344CB8AC3E}">
+        <p14:creationId xmlns:p14="http://schemas.microsoft.com/office/powerpoint/2010/main" val="2258202685"/>
+      </p:ext>
+    </p:extLst>
+  </p:cSld>
+  <p:clrMapOvr>
+    <a:masterClrMapping/>
+  </p:clrMapOvr>
+</p:sld>
+</file>
+
+<file path=ppt/slides/slide3.xml><?xml version="1.0" encoding="utf-8"?>
+<p:sld xmlns:a="http://schemas.openxmlformats.org/drawingml/2006/main" xmlns:r="http://schemas.openxmlformats.org/officeDocument/2006/relationships" xmlns:p="http://schemas.openxmlformats.org/presentationml/2006/main">
+  <p:cSld>
+    <p:spTree>
+      <p:nvGrpSpPr>
+        <p:cNvPr id="1" name=""/>
+        <p:cNvGrpSpPr/>
+        <p:nvPr/>
+      </p:nvGrpSpPr>
+      <p:grpSpPr>
+        <a:xfrm>
+          <a:off x="0" y="0"/>
+          <a:ext cx="0" cy="0"/>
+          <a:chOff x="0" y="0"/>
+          <a:chExt cx="0" cy="0"/>
+        </a:xfrm>
+      </p:grpSpPr>
       <p:sp>
         <p:nvSpPr>
           <p:cNvPr id="9" name="Título 1">
@@ -3621,30 +4749,6 @@
           <a:lstStyle/>
           <a:p>
             <a:pPr algn="ctr"/>
-            <a:r>
-              <a:rPr lang="es-CO" altLang="es-CO" dirty="0" err="1"/>
-              <a:t>Best</a:t>
-            </a:r>
-            <a:r>
-              <a:rPr lang="es-CO" altLang="es-CO" dirty="0"/>
-              <a:t> </a:t>
-            </a:r>
-            <a:r>
-              <a:rPr lang="es-CO" altLang="es-CO" dirty="0" err="1"/>
-              <a:t>model</a:t>
-            </a:r>
-            <a:r>
-              <a:rPr lang="es-CO" altLang="es-CO" dirty="0"/>
-              <a:t> </a:t>
-            </a:r>
-            <a:r>
-              <a:rPr lang="es-CO" altLang="es-CO" dirty="0" err="1"/>
-              <a:t>overview</a:t>
-            </a:r>
-            <a:r>
-              <a:rPr lang="es-CO" altLang="es-CO" dirty="0"/>
-              <a:t> – </a:t>
-            </a:r>
             <a:r>
               <a:rPr lang="es-CO" altLang="es-CO" dirty="0" err="1"/>
               <a:t>Random</a:t>
@@ -3748,375 +4852,6 @@
 </p:sld>
 </file>
 
-<file path=ppt/slides/slide3.xml><?xml version="1.0" encoding="utf-8"?>
-<p:sld xmlns:a="http://schemas.openxmlformats.org/drawingml/2006/main" xmlns:r="http://schemas.openxmlformats.org/officeDocument/2006/relationships" xmlns:p="http://schemas.openxmlformats.org/presentationml/2006/main">
-  <p:cSld>
-    <p:spTree>
-      <p:nvGrpSpPr>
-        <p:cNvPr id="1" name=""/>
-        <p:cNvGrpSpPr/>
-        <p:nvPr/>
-      </p:nvGrpSpPr>
-      <p:grpSpPr>
-        <a:xfrm>
-          <a:off x="0" y="0"/>
-          <a:ext cx="0" cy="0"/>
-          <a:chOff x="0" y="0"/>
-          <a:chExt cx="0" cy="0"/>
-        </a:xfrm>
-      </p:grpSpPr>
-      <mc:AlternateContent xmlns:mc="http://schemas.openxmlformats.org/markup-compatibility/2006" xmlns:a14="http://schemas.microsoft.com/office/drawing/2010/main">
-        <mc:Choice Requires="a14">
-          <p:sp>
-            <p:nvSpPr>
-              <p:cNvPr id="3" name="Marcador de contenido 2">
-                <a:extLst>
-                  <a:ext uri="{FF2B5EF4-FFF2-40B4-BE49-F238E27FC236}">
-                    <a16:creationId xmlns:a16="http://schemas.microsoft.com/office/drawing/2014/main" id="{346CC9CF-3B4E-D5D7-EF51-197780FA79CC}"/>
-                  </a:ext>
-                </a:extLst>
-              </p:cNvPr>
-              <p:cNvSpPr>
-                <a:spLocks noGrp="1"/>
-              </p:cNvSpPr>
-              <p:nvPr>
-                <p:ph idx="1"/>
-              </p:nvPr>
-            </p:nvSpPr>
-            <p:spPr>
-              <a:xfrm>
-                <a:off x="755576" y="1916832"/>
-                <a:ext cx="8424936" cy="4176464"/>
-              </a:xfrm>
-            </p:spPr>
-            <p:txBody>
-              <a:bodyPr/>
-              <a:lstStyle/>
-              <a:p>
-                <a:pPr marL="0" indent="0">
-                  <a:buNone/>
-                </a:pPr>
-                <a:r>
-                  <a:rPr lang="es-CO" sz="1600" b="1" dirty="0"/>
-                  <a:t>Razonamiento detrás del ensamble </a:t>
-                </a:r>
-                <a:r>
-                  <a:rPr lang="es-CO" sz="1600" b="1" dirty="0" err="1"/>
-                  <a:t>XGBoost</a:t>
-                </a:r>
-                <a:r>
-                  <a:rPr lang="es-CO" sz="1600" b="1" dirty="0"/>
-                  <a:t> + CART</a:t>
-                </a:r>
-              </a:p>
-              <a:p>
-                <a:r>
-                  <a:rPr lang="es-CO" sz="1600" b="1" dirty="0"/>
-                  <a:t>Motivación principal:</a:t>
-                </a:r>
-                <a:br>
-                  <a:rPr lang="es-CO" sz="1600" dirty="0"/>
-                </a:br>
-                <a:r>
-                  <a:rPr lang="es-CO" sz="1600" dirty="0" err="1"/>
-                  <a:t>XGBoost</a:t>
-                </a:r>
-                <a:r>
-                  <a:rPr lang="es-CO" sz="1600" dirty="0"/>
-                  <a:t> es un modelo altamente predictivo pero complejo (poca interpretabilidad), mientras que CART es simple y transparente pero con menor capacidad predictiva.</a:t>
-                </a:r>
-              </a:p>
-              <a:p>
-                <a:pPr marL="0" indent="0">
-                  <a:buNone/>
-                </a:pPr>
-                <a:br>
-                  <a:rPr lang="es-CO" sz="1600" dirty="0"/>
-                </a:br>
-                <a:r>
-                  <a:rPr lang="es-CO" sz="1600" b="1" dirty="0"/>
-                  <a:t>Combinarlos permite equilibrar precisión y </a:t>
-                </a:r>
-                <a:r>
-                  <a:rPr lang="es-CO" sz="1600" b="1" dirty="0" err="1"/>
-                  <a:t>explicabilidad</a:t>
-                </a:r>
-                <a:endParaRPr lang="es-CO" sz="1600" b="1" dirty="0"/>
-              </a:p>
-              <a:p>
-                <a:pPr marL="0" indent="0">
-                  <a:buNone/>
-                </a:pPr>
-                <a:endParaRPr lang="es-CO" sz="1600" dirty="0"/>
-              </a:p>
-              <a:p>
-                <a:r>
-                  <a:rPr lang="es-CO" sz="1600" b="1" dirty="0"/>
-                  <a:t>Complementariedad estructural:</a:t>
-                </a:r>
-                <a:endParaRPr lang="es-CO" sz="1600" dirty="0"/>
-              </a:p>
-              <a:p>
-                <a:pPr lvl="1"/>
-                <a:r>
-                  <a:rPr lang="es-CO" sz="1600" b="1" dirty="0" err="1"/>
-                  <a:t>XGBoost</a:t>
-                </a:r>
-                <a:r>
-                  <a:rPr lang="es-CO" sz="1600" dirty="0"/>
-                  <a:t> reduce el sesgo mediante </a:t>
-                </a:r>
-                <a:r>
-                  <a:rPr lang="es-CO" sz="1600" i="1" dirty="0" err="1"/>
-                  <a:t>boosting</a:t>
-                </a:r>
-                <a:r>
-                  <a:rPr lang="es-CO" sz="1600" i="1" dirty="0"/>
-                  <a:t> secuencial</a:t>
-                </a:r>
-                <a:r>
-                  <a:rPr lang="es-CO" sz="1600" dirty="0"/>
-                  <a:t>, capturando relaciones no lineales y complejas.</a:t>
-                </a:r>
-              </a:p>
-              <a:p>
-                <a:pPr lvl="1"/>
-                <a:r>
-                  <a:rPr lang="es-CO" sz="1600" b="1" dirty="0"/>
-                  <a:t>CART</a:t>
-                </a:r>
-                <a:r>
-                  <a:rPr lang="es-CO" sz="1600" dirty="0"/>
-                  <a:t> reduce la varianza al ser un modelo único, interpretable y con divisiones claras</a:t>
-                </a:r>
-              </a:p>
-              <a:p>
-                <a:pPr lvl="1"/>
-                <a:endParaRPr lang="es-CO" sz="1600" b="1" dirty="0"/>
-              </a:p>
-              <a:p>
-                <a:pPr marL="457200" lvl="1" indent="0">
-                  <a:buNone/>
-                </a:pPr>
-                <a:r>
-                  <a:rPr lang="es-CO" sz="1600" b="1" dirty="0"/>
-                  <a:t>Motivo técnico:</a:t>
-                </a:r>
-                <a:endParaRPr lang="es-CO" sz="1600" dirty="0"/>
-              </a:p>
-              <a:p>
-                <a:pPr marL="0" indent="0">
-                  <a:buNone/>
-                </a:pPr>
-                <a14:m>
-                  <m:oMathPara xmlns:m="http://schemas.openxmlformats.org/officeDocument/2006/math">
-                    <m:oMathParaPr>
-                      <m:jc m:val="centerGroup"/>
-                    </m:oMathParaPr>
-                    <m:oMath xmlns:m="http://schemas.openxmlformats.org/officeDocument/2006/math">
-                      <m:sSub>
-                        <m:sSubPr>
-                          <m:ctrlPr>
-                            <a:rPr lang="ar-AE" sz="1600" i="1">
-                              <a:latin typeface="Cambria Math" panose="02040503050406030204" pitchFamily="18" charset="0"/>
-                            </a:rPr>
-                          </m:ctrlPr>
-                        </m:sSubPr>
-                        <m:e>
-                          <m:r>
-                            <a:rPr lang="ar-AE" sz="1600" i="1">
-                              <a:latin typeface="Cambria Math" panose="02040503050406030204" pitchFamily="18" charset="0"/>
-                            </a:rPr>
-                            <m:t>𝑃</m:t>
-                          </m:r>
-                        </m:e>
-                        <m:sub>
-                          <m:r>
-                            <m:rPr>
-                              <m:nor/>
-                            </m:rPr>
-                            <a:rPr lang="es-CO" sz="1600" i="1"/>
-                            <m:t>ensamble</m:t>
-                          </m:r>
-                        </m:sub>
-                      </m:sSub>
-                      <m:r>
-                        <a:rPr lang="ar-AE" sz="1600">
-                          <a:latin typeface="Cambria Math" panose="02040503050406030204" pitchFamily="18" charset="0"/>
-                        </a:rPr>
-                        <m:t>=</m:t>
-                      </m:r>
-                      <m:r>
-                        <a:rPr lang="ar-AE" sz="1600" i="1">
-                          <a:latin typeface="Cambria Math" panose="02040503050406030204" pitchFamily="18" charset="0"/>
-                        </a:rPr>
-                        <m:t>𝑤</m:t>
-                      </m:r>
-                      <m:r>
-                        <a:rPr lang="ar-AE" sz="1600">
-                          <a:latin typeface="Cambria Math" panose="02040503050406030204" pitchFamily="18" charset="0"/>
-                        </a:rPr>
-                        <m:t>⋅</m:t>
-                      </m:r>
-                      <m:sSub>
-                        <m:sSubPr>
-                          <m:ctrlPr>
-                            <a:rPr lang="ar-AE" sz="1600" i="1">
-                              <a:latin typeface="Cambria Math" panose="02040503050406030204" pitchFamily="18" charset="0"/>
-                            </a:rPr>
-                          </m:ctrlPr>
-                        </m:sSubPr>
-                        <m:e>
-                          <m:r>
-                            <a:rPr lang="ar-AE" sz="1600" i="1">
-                              <a:latin typeface="Cambria Math" panose="02040503050406030204" pitchFamily="18" charset="0"/>
-                            </a:rPr>
-                            <m:t>𝑃</m:t>
-                          </m:r>
-                        </m:e>
-                        <m:sub>
-                          <m:r>
-                            <a:rPr lang="ar-AE" sz="1600" i="1">
-                              <a:latin typeface="Cambria Math" panose="02040503050406030204" pitchFamily="18" charset="0"/>
-                            </a:rPr>
-                            <m:t>𝑋𝐺𝐵</m:t>
-                          </m:r>
-                        </m:sub>
-                      </m:sSub>
-                      <m:r>
-                        <a:rPr lang="ar-AE" sz="1600">
-                          <a:latin typeface="Cambria Math" panose="02040503050406030204" pitchFamily="18" charset="0"/>
-                        </a:rPr>
-                        <m:t>+</m:t>
-                      </m:r>
-                      <m:d>
-                        <m:dPr>
-                          <m:ctrlPr>
-                            <a:rPr lang="ar-AE" sz="1600" i="1">
-                              <a:latin typeface="Cambria Math" panose="02040503050406030204" pitchFamily="18" charset="0"/>
-                            </a:rPr>
-                          </m:ctrlPr>
-                        </m:dPr>
-                        <m:e>
-                          <m:r>
-                            <a:rPr lang="ar-AE" sz="1600">
-                              <a:latin typeface="Cambria Math" panose="02040503050406030204" pitchFamily="18" charset="0"/>
-                            </a:rPr>
-                            <m:t>1</m:t>
-                          </m:r>
-                          <m:r>
-                            <a:rPr lang="ar-AE" sz="1600">
-                              <a:latin typeface="Cambria Math" panose="02040503050406030204" pitchFamily="18" charset="0"/>
-                            </a:rPr>
-                            <m:t>−</m:t>
-                          </m:r>
-                          <m:r>
-                            <a:rPr lang="ar-AE" sz="1600" i="1">
-                              <a:latin typeface="Cambria Math" panose="02040503050406030204" pitchFamily="18" charset="0"/>
-                            </a:rPr>
-                            <m:t>𝑤</m:t>
-                          </m:r>
-                        </m:e>
-                      </m:d>
-                      <m:r>
-                        <a:rPr lang="ar-AE" sz="1600">
-                          <a:latin typeface="Cambria Math" panose="02040503050406030204" pitchFamily="18" charset="0"/>
-                        </a:rPr>
-                        <m:t>⋅</m:t>
-                      </m:r>
-                      <m:sSub>
-                        <m:sSubPr>
-                          <m:ctrlPr>
-                            <a:rPr lang="ar-AE" sz="1600" i="1">
-                              <a:latin typeface="Cambria Math" panose="02040503050406030204" pitchFamily="18" charset="0"/>
-                            </a:rPr>
-                          </m:ctrlPr>
-                        </m:sSubPr>
-                        <m:e>
-                          <m:r>
-                            <a:rPr lang="ar-AE" sz="1600" i="1">
-                              <a:latin typeface="Cambria Math" panose="02040503050406030204" pitchFamily="18" charset="0"/>
-                            </a:rPr>
-                            <m:t>𝑃</m:t>
-                          </m:r>
-                        </m:e>
-                        <m:sub>
-                          <m:r>
-                            <a:rPr lang="ar-AE" sz="1600" i="1">
-                              <a:latin typeface="Cambria Math" panose="02040503050406030204" pitchFamily="18" charset="0"/>
-                            </a:rPr>
-                            <m:t>𝐶𝐴𝑅𝑇</m:t>
-                          </m:r>
-                        </m:sub>
-                      </m:sSub>
-                    </m:oMath>
-                  </m:oMathPara>
-                </a14:m>
-                <a:endParaRPr lang="ar-AE" sz="1600" b="0" dirty="0"/>
-              </a:p>
-              <a:p>
-                <a:endParaRPr lang="es-CO" dirty="0"/>
-              </a:p>
-            </p:txBody>
-          </p:sp>
-        </mc:Choice>
-        <mc:Fallback xmlns="">
-          <p:sp>
-            <p:nvSpPr>
-              <p:cNvPr id="3" name="Marcador de contenido 2">
-                <a:extLst>
-                  <a:ext uri="{FF2B5EF4-FFF2-40B4-BE49-F238E27FC236}">
-                    <a16:creationId xmlns:a16="http://schemas.microsoft.com/office/drawing/2014/main" id="{346CC9CF-3B4E-D5D7-EF51-197780FA79CC}"/>
-                  </a:ext>
-                </a:extLst>
-              </p:cNvPr>
-              <p:cNvSpPr>
-                <a:spLocks noGrp="1" noRot="1" noChangeAspect="1" noMove="1" noResize="1" noEditPoints="1" noAdjustHandles="1" noChangeArrowheads="1" noChangeShapeType="1" noTextEdit="1"/>
-              </p:cNvSpPr>
-              <p:nvPr>
-                <p:ph idx="1"/>
-              </p:nvPr>
-            </p:nvSpPr>
-            <p:spPr>
-              <a:xfrm>
-                <a:off x="755576" y="1916832"/>
-                <a:ext cx="8424936" cy="4176464"/>
-              </a:xfrm>
-              <a:blipFill>
-                <a:blip r:embed="rId2"/>
-                <a:stretch>
-                  <a:fillRect l="-434" t="-437" r="-868" b="-292"/>
-                </a:stretch>
-              </a:blipFill>
-            </p:spPr>
-            <p:txBody>
-              <a:bodyPr/>
-              <a:lstStyle/>
-              <a:p>
-                <a:r>
-                  <a:rPr lang="es-CO">
-                    <a:noFill/>
-                  </a:rPr>
-                  <a:t> </a:t>
-                </a:r>
-              </a:p>
-            </p:txBody>
-          </p:sp>
-        </mc:Fallback>
-      </mc:AlternateContent>
-    </p:spTree>
-    <p:extLst>
-      <p:ext uri="{BB962C8B-B14F-4D97-AF65-F5344CB8AC3E}">
-        <p14:creationId xmlns:p14="http://schemas.microsoft.com/office/powerpoint/2010/main" val="2258202685"/>
-      </p:ext>
-    </p:extLst>
-  </p:cSld>
-  <p:clrMapOvr>
-    <a:masterClrMapping/>
-  </p:clrMapOvr>
-</p:sld>
-</file>
-
 <file path=ppt/slides/slide4.xml><?xml version="1.0" encoding="utf-8"?>
 <p:sld xmlns:a="http://schemas.openxmlformats.org/drawingml/2006/main" xmlns:r="http://schemas.openxmlformats.org/officeDocument/2006/relationships" xmlns:p="http://schemas.openxmlformats.org/presentationml/2006/main">
   <p:cSld>
@@ -4134,305 +4869,518 @@
           <a:chExt cx="0" cy="0"/>
         </a:xfrm>
       </p:grpSpPr>
-      <p:pic>
-        <p:nvPicPr>
-          <p:cNvPr id="4" name="Marcador de contenido 3">
-            <a:extLst>
-              <a:ext uri="{FF2B5EF4-FFF2-40B4-BE49-F238E27FC236}">
-                <a16:creationId xmlns:a16="http://schemas.microsoft.com/office/drawing/2014/main" id="{3B87F227-6905-4DCE-AE64-2AB556BDED1B}"/>
-              </a:ext>
-            </a:extLst>
-          </p:cNvPr>
-          <p:cNvPicPr>
-            <a:picLocks noGrp="1" noChangeAspect="1"/>
-          </p:cNvPicPr>
-          <p:nvPr>
-            <p:ph idx="1"/>
-          </p:nvPr>
-        </p:nvPicPr>
-        <p:blipFill>
-          <a:blip r:embed="rId2">
-            <a:extLst>
-              <a:ext uri="{28A0092B-C50C-407E-A947-70E740481C1C}">
-                <a14:useLocalDpi xmlns:a14="http://schemas.microsoft.com/office/drawing/2010/main" val="0"/>
-              </a:ext>
-            </a:extLst>
-          </a:blip>
-          <a:stretch>
-            <a:fillRect/>
-          </a:stretch>
-        </p:blipFill>
-        <p:spPr>
-          <a:xfrm>
-            <a:off x="4698590" y="2132857"/>
-            <a:ext cx="4445409" cy="3384376"/>
-          </a:xfrm>
-        </p:spPr>
-      </p:pic>
-      <p:sp>
-        <p:nvSpPr>
-          <p:cNvPr id="13" name="CuadroTexto 12">
-            <a:extLst>
-              <a:ext uri="{FF2B5EF4-FFF2-40B4-BE49-F238E27FC236}">
-                <a16:creationId xmlns:a16="http://schemas.microsoft.com/office/drawing/2014/main" id="{9AC394BC-2E57-F734-4DAB-CE20424F2E2A}"/>
-              </a:ext>
-            </a:extLst>
-          </p:cNvPr>
-          <p:cNvSpPr txBox="1"/>
-          <p:nvPr/>
-        </p:nvSpPr>
-        <p:spPr>
-          <a:xfrm>
-            <a:off x="827584" y="1700808"/>
-            <a:ext cx="3888432" cy="3970318"/>
-          </a:xfrm>
-          <a:prstGeom prst="rect">
-            <a:avLst/>
-          </a:prstGeom>
-          <a:noFill/>
-        </p:spPr>
-        <p:txBody>
-          <a:bodyPr wrap="square" rtlCol="0">
-            <a:spAutoFit/>
-          </a:bodyPr>
-          <a:lstStyle/>
-          <a:p>
-            <a:r>
-              <a:rPr lang="es-CO" sz="1200" b="1" dirty="0" err="1"/>
-              <a:t>XGBoost</a:t>
-            </a:r>
-            <a:r>
-              <a:rPr lang="es-CO" sz="1200" b="1" dirty="0"/>
-              <a:t> – </a:t>
-            </a:r>
-            <a:r>
-              <a:rPr lang="es-CO" sz="1200" b="1" dirty="0" err="1"/>
-              <a:t>Grid</a:t>
-            </a:r>
-            <a:r>
-              <a:rPr lang="es-CO" sz="1200" b="1" dirty="0"/>
-              <a:t> </a:t>
-            </a:r>
-            <a:r>
-              <a:rPr lang="es-CO" sz="1200" b="1" dirty="0" err="1"/>
-              <a:t>Search</a:t>
-            </a:r>
-            <a:r>
-              <a:rPr lang="es-CO" sz="1200" b="1" dirty="0"/>
-              <a:t>:</a:t>
-            </a:r>
-          </a:p>
-          <a:p>
-            <a:r>
-              <a:rPr lang="es-CO" sz="1200" dirty="0"/>
-              <a:t>𝑛𝑟𝑜𝑢𝑛𝑑𝑠=600, 𝑚𝑎𝑥_𝑑𝑒𝑝𝑡ℎ=3–4, 𝜂=0.05, 𝛾=1, 𝑠𝑢𝑏𝑠𝑎𝑚𝑝𝑙𝑒=0.8, 𝑐𝑜𝑙𝑠𝑎𝑚𝑝𝑙𝑒_𝑏𝑦𝑡𝑟𝑒𝑒=0.7</a:t>
-            </a:r>
-          </a:p>
-          <a:p>
-            <a:endParaRPr lang="es-CO" sz="1200" dirty="0"/>
-          </a:p>
-          <a:p>
-            <a:r>
-              <a:rPr lang="es-CO" sz="1200" dirty="0"/>
-              <a:t>Árboles poco profundos → control del sobreajuste.</a:t>
-            </a:r>
-          </a:p>
-          <a:p>
-            <a:r>
-              <a:rPr lang="es-CO" sz="1200" dirty="0"/>
-              <a:t>Tasa de aprendizaje baja → entrenamiento estable.</a:t>
-            </a:r>
-          </a:p>
-          <a:p>
-            <a:r>
-              <a:rPr lang="es-CO" sz="1200" dirty="0"/>
-              <a:t>Submuestreo → mayor diversidad y regularización implícita.</a:t>
-            </a:r>
-          </a:p>
-          <a:p>
-            <a:endParaRPr lang="es-CO" sz="1200" dirty="0"/>
-          </a:p>
-          <a:p>
-            <a:r>
-              <a:rPr lang="es-CO" sz="1200" b="1" dirty="0"/>
-              <a:t>CART – Complejidad del árbol:</a:t>
-            </a:r>
-          </a:p>
-          <a:p>
-            <a:pPr algn="ctr"/>
-            <a:r>
-              <a:rPr lang="es-CO" sz="1200" dirty="0"/>
-              <a:t>𝑐𝑝∈[0.001,0.01]</a:t>
-            </a:r>
-          </a:p>
-          <a:p>
-            <a:endParaRPr lang="es-CO" sz="1200" dirty="0"/>
-          </a:p>
-          <a:p>
-            <a:r>
-              <a:rPr lang="es-CO" sz="1200" dirty="0" err="1"/>
-              <a:t>cp</a:t>
-            </a:r>
-            <a:r>
-              <a:rPr lang="es-CO" sz="1200" dirty="0"/>
-              <a:t>=0.001 fue el valor óptimo, equilibrando simplicidad e interpretabilidad.</a:t>
-            </a:r>
-          </a:p>
-          <a:p>
-            <a:r>
-              <a:rPr lang="es-CO" sz="1200" dirty="0"/>
-              <a:t>Poda efectiva: evita divisiones sin ganancia de información.</a:t>
-            </a:r>
-          </a:p>
-          <a:p>
-            <a:endParaRPr lang="es-CO" sz="1200" dirty="0"/>
-          </a:p>
-          <a:p>
-            <a:r>
-              <a:rPr lang="es-CO" sz="1200" b="1" dirty="0"/>
-              <a:t>Optimización conjunta:</a:t>
-            </a:r>
-          </a:p>
-          <a:p>
-            <a:r>
-              <a:rPr lang="es-CO" sz="1200" dirty="0"/>
-              <a:t>𝑤𝑋𝐺𝐵=0.9, 𝑐𝑢𝑡𝑜𝑓𝑓=0.556</a:t>
-            </a:r>
-          </a:p>
-          <a:p>
-            <a:r>
-              <a:rPr lang="es-CO" sz="1200" dirty="0"/>
-              <a:t>Máximo F1 = 0.547 → equilibrio entre precisión y </a:t>
-            </a:r>
-            <a:r>
-              <a:rPr lang="es-CO" sz="1200" dirty="0" err="1"/>
-              <a:t>recall</a:t>
-            </a:r>
-            <a:r>
-              <a:rPr lang="es-CO" sz="1200" dirty="0"/>
-              <a:t>.</a:t>
-            </a:r>
-          </a:p>
-        </p:txBody>
-      </p:sp>
-    </p:spTree>
-    <p:extLst>
-      <p:ext uri="{BB962C8B-B14F-4D97-AF65-F5344CB8AC3E}">
-        <p14:creationId xmlns:p14="http://schemas.microsoft.com/office/powerpoint/2010/main" val="3163502875"/>
-      </p:ext>
-    </p:extLst>
-  </p:cSld>
-  <p:clrMapOvr>
-    <a:masterClrMapping/>
-  </p:clrMapOvr>
-</p:sld>
-</file>
-
-<file path=ppt/slides/slide5.xml><?xml version="1.0" encoding="utf-8"?>
-<p:sld xmlns:a="http://schemas.openxmlformats.org/drawingml/2006/main" xmlns:r="http://schemas.openxmlformats.org/officeDocument/2006/relationships" xmlns:p="http://schemas.openxmlformats.org/presentationml/2006/main">
-  <p:cSld>
-    <p:spTree>
-      <p:nvGrpSpPr>
-        <p:cNvPr id="1" name=""/>
-        <p:cNvGrpSpPr/>
-        <p:nvPr/>
-      </p:nvGrpSpPr>
-      <p:grpSpPr>
-        <a:xfrm>
-          <a:off x="0" y="0"/>
-          <a:ext cx="0" cy="0"/>
-          <a:chOff x="0" y="0"/>
-          <a:chExt cx="0" cy="0"/>
-        </a:xfrm>
-      </p:grpSpPr>
-      <p:sp>
-        <p:nvSpPr>
-          <p:cNvPr id="3" name="Marcador de contenido 2">
-            <a:extLst>
-              <a:ext uri="{FF2B5EF4-FFF2-40B4-BE49-F238E27FC236}">
-                <a16:creationId xmlns:a16="http://schemas.microsoft.com/office/drawing/2014/main" id="{3E733A3D-81DA-1927-89E1-BF089A3A9C38}"/>
-              </a:ext>
-            </a:extLst>
-          </p:cNvPr>
-          <p:cNvSpPr>
-            <a:spLocks noGrp="1"/>
-          </p:cNvSpPr>
-          <p:nvPr>
-            <p:ph idx="1"/>
-          </p:nvPr>
-        </p:nvSpPr>
-        <p:spPr>
-          <a:xfrm>
-            <a:off x="1043608" y="1484784"/>
-            <a:ext cx="7858125" cy="4143375"/>
-          </a:xfrm>
-        </p:spPr>
-        <p:txBody>
-          <a:bodyPr/>
-          <a:lstStyle/>
-          <a:p>
-            <a:pPr marL="0" indent="0">
-              <a:buNone/>
-            </a:pPr>
-            <a:r>
-              <a:rPr lang="es-MX" b="1" dirty="0"/>
-              <a:t>Conclusiones</a:t>
-            </a:r>
-          </a:p>
-          <a:p>
-            <a:pPr marL="0" indent="0">
-              <a:buNone/>
-            </a:pPr>
-            <a:endParaRPr lang="es-MX" dirty="0"/>
-          </a:p>
-          <a:p>
-            <a:r>
-              <a:rPr lang="es-MX" dirty="0"/>
-              <a:t>Según los resultados de la validación cruzada interna, el ensamble mostró el mejor equilibrio entre precisión e interpretabilidad.</a:t>
-            </a:r>
-          </a:p>
-          <a:p>
-            <a:r>
-              <a:rPr lang="es-MX" dirty="0"/>
-              <a:t>La combinación de </a:t>
-            </a:r>
-            <a:r>
-              <a:rPr lang="es-MX" dirty="0" err="1"/>
-              <a:t>XGBoost</a:t>
-            </a:r>
-            <a:r>
-              <a:rPr lang="es-MX" dirty="0"/>
-              <a:t> y CART permitió reducir la varianza y mejorar la estabilidad de las predicciones, integrando potencia predictiva y capacidad explicativa.</a:t>
-            </a:r>
-          </a:p>
-          <a:p>
-            <a:r>
-              <a:rPr lang="es-MX" dirty="0"/>
-              <a:t>El uso del F1-score como métrica central alineó el proceso de ajuste con el objetivo del estudio: maximizar la detección de hogares pobres minimizando los falsos negativos.</a:t>
-            </a:r>
-          </a:p>
-          <a:p>
-            <a:r>
-              <a:rPr lang="es-MX" dirty="0"/>
-              <a:t>Aunque los resultados finales en el conjunto de prueba de </a:t>
-            </a:r>
-            <a:r>
-              <a:rPr lang="es-MX" dirty="0" err="1"/>
-              <a:t>Kaggle</a:t>
-            </a:r>
-            <a:r>
-              <a:rPr lang="es-MX" dirty="0"/>
-              <a:t> no son observables, el enfoque demostró ser robusto, replicable y extensible a nuevos modelos base.</a:t>
-            </a:r>
-          </a:p>
-          <a:p>
-            <a:pPr marL="0" indent="0">
-              <a:buNone/>
-            </a:pPr>
-            <a:endParaRPr lang="es-CO" dirty="0"/>
-          </a:p>
-        </p:txBody>
-      </p:sp>
+      <mc:AlternateContent xmlns:mc="http://schemas.openxmlformats.org/markup-compatibility/2006">
+        <mc:Choice xmlns:a14="http://schemas.microsoft.com/office/drawing/2010/main" Requires="a14">
+          <p:sp>
+            <p:nvSpPr>
+              <p:cNvPr id="3" name="Marcador de contenido 2">
+                <a:extLst>
+                  <a:ext uri="{FF2B5EF4-FFF2-40B4-BE49-F238E27FC236}">
+                    <a16:creationId xmlns:a16="http://schemas.microsoft.com/office/drawing/2014/main" id="{3E733A3D-81DA-1927-89E1-BF089A3A9C38}"/>
+                  </a:ext>
+                </a:extLst>
+              </p:cNvPr>
+              <p:cNvSpPr>
+                <a:spLocks noGrp="1"/>
+              </p:cNvSpPr>
+              <p:nvPr>
+                <p:ph idx="1"/>
+              </p:nvPr>
+            </p:nvSpPr>
+            <p:spPr>
+              <a:xfrm>
+                <a:off x="755576" y="1484784"/>
+                <a:ext cx="8146157" cy="4680520"/>
+              </a:xfrm>
+            </p:spPr>
+            <p:txBody>
+              <a:bodyPr/>
+              <a:lstStyle/>
+              <a:p>
+                <a:pPr marL="0" indent="0">
+                  <a:buNone/>
+                </a:pPr>
+                <a:r>
+                  <a:rPr lang="es-MX" b="1" dirty="0"/>
+                  <a:t>Validación por CV espacial</a:t>
+                </a:r>
+              </a:p>
+              <a:p>
+                <a:pPr marL="0" indent="0">
+                  <a:buNone/>
+                </a:pPr>
+                <a:endParaRPr lang="es-MX" dirty="0"/>
+              </a:p>
+              <a:p>
+                <a:r>
+                  <a:rPr lang="es-ES" dirty="0"/>
+                  <a:t>Valida por </a:t>
+                </a:r>
+                <a14:m>
+                  <m:oMath xmlns:m="http://schemas.openxmlformats.org/officeDocument/2006/math">
+                    <m:sSubSup>
+                      <m:sSubSupPr>
+                        <m:ctrlPr>
+                          <a:rPr lang="es-ES" i="1" smtClean="0">
+                            <a:latin typeface="Cambria Math" panose="02040503050406030204" pitchFamily="18" charset="0"/>
+                          </a:rPr>
+                        </m:ctrlPr>
+                      </m:sSubSupPr>
+                      <m:e>
+                        <m:r>
+                          <a:rPr lang="es-CO" b="0" i="1" smtClean="0">
+                            <a:latin typeface="Cambria Math" panose="02040503050406030204" pitchFamily="18" charset="0"/>
+                          </a:rPr>
+                          <m:t>𝑋</m:t>
+                        </m:r>
+                      </m:e>
+                      <m:sub>
+                        <m:r>
+                          <a:rPr lang="es-CO" b="0" i="1" smtClean="0">
+                            <a:latin typeface="Cambria Math" panose="02040503050406030204" pitchFamily="18" charset="0"/>
+                          </a:rPr>
+                          <m:t>𝑖</m:t>
+                        </m:r>
+                      </m:sub>
+                      <m:sup>
+                        <m:r>
+                          <a:rPr lang="es-CO" b="0" i="1" smtClean="0">
+                            <a:latin typeface="Cambria Math" panose="02040503050406030204" pitchFamily="18" charset="0"/>
+                          </a:rPr>
+                          <m:t>𝑑𝑖𝑠𝑡𝑎𝑛𝑐𝑖𝑎</m:t>
+                        </m:r>
+                      </m:sup>
+                    </m:sSubSup>
+                  </m:oMath>
+                </a14:m>
+                <a:r>
+                  <a:rPr lang="es-ES" dirty="0"/>
+                  <a:t>, creando pliegues que no comparten área entre entrenamiento y validación (5 </a:t>
+                </a:r>
+                <a:r>
+                  <a:rPr lang="es-ES" dirty="0" err="1"/>
+                  <a:t>folds</a:t>
+                </a:r>
+                <a:r>
+                  <a:rPr lang="es-ES" dirty="0"/>
+                  <a:t>).</a:t>
+                </a:r>
+                <a:endParaRPr lang="es-MX" dirty="0"/>
+              </a:p>
+              <a:p>
+                <a:pPr>
+                  <a:spcBef>
+                    <a:spcPct val="0"/>
+                  </a:spcBef>
+                </a:pPr>
+                <a:r>
+                  <a:rPr lang="en-US" altLang="en-US" b="1" dirty="0" err="1"/>
+                  <a:t>Evidencia</a:t>
+                </a:r>
+                <a:r>
+                  <a:rPr lang="en-US" altLang="en-US" b="1" dirty="0"/>
+                  <a:t> </a:t>
+                </a:r>
+                <a:r>
+                  <a:rPr lang="en-US" altLang="en-US" b="1" dirty="0" err="1"/>
+                  <a:t>en</a:t>
+                </a:r>
+                <a:r>
+                  <a:rPr lang="en-US" altLang="en-US" b="1" dirty="0"/>
+                  <a:t> </a:t>
+                </a:r>
+                <a:r>
+                  <a:rPr lang="en-US" altLang="en-US" b="1" dirty="0" err="1"/>
+                  <a:t>nuestros</a:t>
+                </a:r>
+                <a:r>
+                  <a:rPr lang="en-US" altLang="en-US" b="1" dirty="0"/>
+                  <a:t> </a:t>
+                </a:r>
+                <a:r>
+                  <a:rPr lang="en-US" altLang="en-US" b="1" dirty="0" err="1"/>
+                  <a:t>resultados</a:t>
+                </a:r>
+                <a:r>
+                  <a:rPr lang="en-US" altLang="en-US" b="1" dirty="0"/>
+                  <a:t> (MAE):</a:t>
+                </a:r>
+              </a:p>
+              <a:p>
+                <a:pPr marL="857250" lvl="1" indent="-457200">
+                  <a:spcBef>
+                    <a:spcPct val="0"/>
+                  </a:spcBef>
+                  <a:buFont typeface="+mj-lt"/>
+                  <a:buAutoNum type="arabicPeriod"/>
+                </a:pPr>
+                <a:r>
+                  <a:rPr lang="en-US" altLang="en-US" dirty="0"/>
+                  <a:t>RF regular (CV </a:t>
+                </a:r>
+                <a:r>
+                  <a:rPr lang="en-US" altLang="en-US" dirty="0" err="1"/>
+                  <a:t>aleatoria</a:t>
+                </a:r>
+                <a:r>
+                  <a:rPr lang="en-US" altLang="en-US" dirty="0"/>
+                  <a:t>) → Kaggle 213,23 M.</a:t>
+                </a:r>
+              </a:p>
+              <a:p>
+                <a:pPr marL="857250" lvl="1" indent="-457200">
+                  <a:spcBef>
+                    <a:spcPct val="0"/>
+                  </a:spcBef>
+                  <a:buFont typeface="+mj-lt"/>
+                  <a:buAutoNum type="arabicPeriod"/>
+                </a:pPr>
+                <a:r>
+                  <a:rPr lang="en-US" altLang="en-US" dirty="0"/>
+                  <a:t>RF </a:t>
+                </a:r>
+                <a:r>
+                  <a:rPr lang="en-US" altLang="en-US" dirty="0" err="1"/>
+                  <a:t>espacial</a:t>
+                </a:r>
+                <a:r>
+                  <a:rPr lang="en-US" altLang="en-US" dirty="0"/>
+                  <a:t> (CV </a:t>
+                </a:r>
+                <a:r>
+                  <a:rPr lang="en-US" altLang="en-US" dirty="0" err="1"/>
+                  <a:t>por</a:t>
+                </a:r>
+                <a:r>
+                  <a:rPr lang="en-US" altLang="en-US" dirty="0"/>
+                  <a:t> zonas) → Kaggle 209,39 M.</a:t>
+                </a:r>
+              </a:p>
+              <a:p>
+                <a:pPr>
+                  <a:spcBef>
+                    <a:spcPct val="0"/>
+                  </a:spcBef>
+                </a:pPr>
+                <a:r>
+                  <a:rPr lang="en-US" altLang="en-US" dirty="0" err="1"/>
+                  <a:t>Estimación</a:t>
+                </a:r>
+                <a:r>
+                  <a:rPr lang="en-US" altLang="en-US" dirty="0"/>
+                  <a:t> interna </a:t>
+                </a:r>
+                <a:r>
+                  <a:rPr lang="en-US" altLang="en-US" dirty="0" err="1"/>
+                  <a:t>más</a:t>
+                </a:r>
+                <a:r>
+                  <a:rPr lang="en-US" altLang="en-US" dirty="0"/>
+                  <a:t> </a:t>
+                </a:r>
+                <a:r>
+                  <a:rPr lang="en-US" altLang="en-US" dirty="0" err="1"/>
+                  <a:t>realista</a:t>
+                </a:r>
+                <a:r>
+                  <a:rPr lang="en-US" altLang="en-US" dirty="0"/>
+                  <a:t> </a:t>
+                </a:r>
+                <a:r>
+                  <a:rPr lang="en-US" altLang="en-US" dirty="0" err="1"/>
+                  <a:t>debido</a:t>
+                </a:r>
+                <a:r>
+                  <a:rPr lang="en-US" altLang="en-US" dirty="0"/>
+                  <a:t> a la </a:t>
+                </a:r>
+                <a:r>
+                  <a:rPr lang="en-US" altLang="en-US" dirty="0" err="1"/>
+                  <a:t>importancia</a:t>
+                </a:r>
+                <a:r>
+                  <a:rPr lang="en-US" altLang="en-US" dirty="0"/>
+                  <a:t> de la </a:t>
+                </a:r>
+                <a:r>
+                  <a:rPr lang="en-US" altLang="en-US" dirty="0" err="1"/>
+                  <a:t>ubicación</a:t>
+                </a:r>
+                <a:r>
+                  <a:rPr lang="en-US" altLang="en-US" dirty="0"/>
+                  <a:t> </a:t>
+                </a:r>
+                <a:r>
+                  <a:rPr lang="en-US" altLang="en-US" dirty="0" err="1"/>
+                  <a:t>en</a:t>
+                </a:r>
+                <a:r>
+                  <a:rPr lang="en-US" altLang="en-US" dirty="0"/>
+                  <a:t> </a:t>
+                </a:r>
+                <a:r>
+                  <a:rPr lang="en-US" altLang="en-US" dirty="0" err="1"/>
+                  <a:t>el</a:t>
+                </a:r>
+                <a:r>
+                  <a:rPr lang="en-US" altLang="en-US" dirty="0"/>
+                  <a:t> </a:t>
+                </a:r>
+                <a:r>
+                  <a:rPr lang="en-US" altLang="en-US" dirty="0" err="1"/>
+                  <a:t>espacio</a:t>
+                </a:r>
+                <a:r>
+                  <a:rPr lang="en-US" altLang="en-US" dirty="0"/>
+                  <a:t> para </a:t>
+                </a:r>
+                <a:r>
+                  <a:rPr lang="en-US" altLang="en-US" dirty="0" err="1"/>
+                  <a:t>este</a:t>
+                </a:r>
+                <a:r>
+                  <a:rPr lang="en-US" altLang="en-US" dirty="0"/>
+                  <a:t> </a:t>
+                </a:r>
+                <a:r>
+                  <a:rPr lang="en-US" altLang="en-US" dirty="0" err="1"/>
+                  <a:t>contexto</a:t>
+                </a:r>
+                <a:r>
+                  <a:rPr lang="en-US" altLang="en-US" dirty="0"/>
+                  <a:t>.</a:t>
+                </a:r>
+              </a:p>
+              <a:p>
+                <a:pPr>
+                  <a:spcBef>
+                    <a:spcPct val="0"/>
+                  </a:spcBef>
+                </a:pPr>
+                <a:r>
+                  <a:rPr lang="en-US" altLang="en-US" dirty="0"/>
+                  <a:t>Es major usar CV </a:t>
+                </a:r>
+                <a:r>
+                  <a:rPr lang="en-US" altLang="en-US" dirty="0" err="1"/>
+                  <a:t>espacial</a:t>
+                </a:r>
+                <a:r>
+                  <a:rPr lang="en-US" altLang="en-US" dirty="0"/>
+                  <a:t> </a:t>
+                </a:r>
+                <a:r>
+                  <a:rPr lang="en-US" altLang="en-US" dirty="0" err="1"/>
+                  <a:t>cuando</a:t>
+                </a:r>
+                <a:r>
+                  <a:rPr lang="en-US" altLang="en-US" dirty="0"/>
+                  <a:t> las features </a:t>
+                </a:r>
+                <a:r>
+                  <a:rPr lang="en-US" altLang="en-US" dirty="0" err="1"/>
+                  <a:t>incluyen</a:t>
+                </a:r>
+                <a:r>
+                  <a:rPr lang="en-US" altLang="en-US" dirty="0"/>
+                  <a:t> </a:t>
+                </a:r>
+                <a:r>
+                  <a:rPr lang="en-US" altLang="en-US" dirty="0" err="1"/>
+                  <a:t>ubicación</a:t>
+                </a:r>
+                <a:r>
+                  <a:rPr lang="en-US" altLang="en-US" dirty="0"/>
+                  <a:t> y se </a:t>
+                </a:r>
+                <a:r>
+                  <a:rPr lang="en-US" altLang="en-US" dirty="0" err="1"/>
+                  <a:t>espera</a:t>
+                </a:r>
+                <a:r>
+                  <a:rPr lang="en-US" altLang="en-US" dirty="0"/>
+                  <a:t> </a:t>
+                </a:r>
+                <a:r>
+                  <a:rPr lang="en-US" altLang="en-US" dirty="0" err="1"/>
+                  <a:t>que</a:t>
+                </a:r>
+                <a:r>
+                  <a:rPr lang="en-US" altLang="en-US" dirty="0"/>
+                  <a:t> </a:t>
+                </a:r>
+                <a:r>
+                  <a:rPr lang="en-US" altLang="en-US" dirty="0" err="1"/>
+                  <a:t>el</a:t>
+                </a:r>
+                <a:r>
+                  <a:rPr lang="en-US" altLang="en-US" dirty="0"/>
+                  <a:t> test </a:t>
+                </a:r>
+                <a:r>
+                  <a:rPr lang="en-US" altLang="en-US" dirty="0" err="1"/>
+                  <a:t>provenga</a:t>
+                </a:r>
+                <a:r>
+                  <a:rPr lang="en-US" altLang="en-US" dirty="0"/>
+                  <a:t> de zonas </a:t>
+                </a:r>
+                <a:r>
+                  <a:rPr lang="en-US" altLang="en-US" dirty="0" err="1"/>
+                  <a:t>distintas</a:t>
+                </a:r>
+                <a:r>
+                  <a:rPr lang="en-US" altLang="en-US" dirty="0"/>
+                  <a:t> al train.</a:t>
+                </a:r>
+              </a:p>
+              <a:p>
+                <a:pPr>
+                  <a:spcBef>
+                    <a:spcPct val="0"/>
+                  </a:spcBef>
+                </a:pPr>
+                <a:r>
+                  <a:rPr lang="en-US" altLang="en-US" dirty="0"/>
+                  <a:t>Contra: algo </a:t>
+                </a:r>
+                <a:r>
+                  <a:rPr lang="en-US" altLang="en-US" dirty="0" err="1"/>
+                  <a:t>más</a:t>
+                </a:r>
+                <a:r>
+                  <a:rPr lang="en-US" altLang="en-US" dirty="0"/>
+                  <a:t> </a:t>
+                </a:r>
+                <a:r>
+                  <a:rPr lang="en-US" altLang="en-US" dirty="0" err="1"/>
+                  <a:t>costosa</a:t>
+                </a:r>
+                <a:r>
+                  <a:rPr lang="en-US" altLang="en-US" dirty="0"/>
+                  <a:t> y con mayor </a:t>
+                </a:r>
+                <a:r>
+                  <a:rPr lang="en-US" altLang="en-US" dirty="0" err="1"/>
+                  <a:t>varianza</a:t>
+                </a:r>
+                <a:r>
+                  <a:rPr lang="en-US" altLang="en-US" dirty="0"/>
+                  <a:t> entre </a:t>
+                </a:r>
+                <a:r>
+                  <a:rPr lang="en-US" altLang="en-US" dirty="0" err="1"/>
+                  <a:t>pliegues</a:t>
+                </a:r>
+                <a:r>
+                  <a:rPr lang="en-US" altLang="en-US" dirty="0"/>
+                  <a:t>, </a:t>
+                </a:r>
+                <a:r>
+                  <a:rPr lang="en-US" altLang="en-US" dirty="0" err="1"/>
+                  <a:t>pero</a:t>
+                </a:r>
+                <a:r>
+                  <a:rPr lang="en-US" altLang="en-US" dirty="0"/>
+                  <a:t> </a:t>
+                </a:r>
+                <a:r>
+                  <a:rPr lang="en-US" altLang="en-US" dirty="0" err="1"/>
+                  <a:t>resulta</a:t>
+                </a:r>
+                <a:r>
+                  <a:rPr lang="en-US" altLang="en-US" dirty="0"/>
+                  <a:t> </a:t>
+                </a:r>
+                <a:r>
+                  <a:rPr lang="en-US" altLang="en-US" dirty="0" err="1"/>
+                  <a:t>mejor</a:t>
+                </a:r>
+                <a:r>
+                  <a:rPr lang="en-US" altLang="en-US" dirty="0"/>
+                  <a:t> </a:t>
+                </a:r>
+                <a:r>
+                  <a:rPr lang="en-US" altLang="en-US" dirty="0" err="1"/>
+                  <a:t>el</a:t>
+                </a:r>
+                <a:r>
+                  <a:rPr lang="en-US" altLang="en-US" dirty="0"/>
+                  <a:t> </a:t>
+                </a:r>
+                <a:r>
+                  <a:rPr lang="en-US" altLang="en-US" dirty="0" err="1"/>
+                  <a:t>entrenamiento</a:t>
+                </a:r>
+                <a:r>
+                  <a:rPr lang="en-US" altLang="en-US" dirty="0"/>
+                  <a:t> para </a:t>
+                </a:r>
+                <a:r>
+                  <a:rPr lang="en-US" altLang="en-US" dirty="0" err="1"/>
+                  <a:t>generalizar</a:t>
+                </a:r>
+                <a:r>
+                  <a:rPr lang="en-US" altLang="en-US" dirty="0"/>
+                  <a:t> fuera de </a:t>
+                </a:r>
+                <a:r>
+                  <a:rPr lang="en-US" altLang="en-US" dirty="0" err="1"/>
+                  <a:t>muestra</a:t>
+                </a:r>
+                <a:r>
+                  <a:rPr lang="en-US" altLang="en-US" dirty="0"/>
+                  <a:t>.</a:t>
+                </a:r>
+                <a:endParaRPr lang="es-MX" dirty="0"/>
+              </a:p>
+            </p:txBody>
+          </p:sp>
+        </mc:Choice>
+        <mc:Fallback>
+          <p:sp>
+            <p:nvSpPr>
+              <p:cNvPr id="3" name="Marcador de contenido 2">
+                <a:extLst>
+                  <a:ext uri="{FF2B5EF4-FFF2-40B4-BE49-F238E27FC236}">
+                    <a16:creationId xmlns:a16="http://schemas.microsoft.com/office/drawing/2014/main" id="{3E733A3D-81DA-1927-89E1-BF089A3A9C38}"/>
+                  </a:ext>
+                </a:extLst>
+              </p:cNvPr>
+              <p:cNvSpPr>
+                <a:spLocks noGrp="1" noRot="1" noChangeAspect="1" noMove="1" noResize="1" noEditPoints="1" noAdjustHandles="1" noChangeArrowheads="1" noChangeShapeType="1" noTextEdit="1"/>
+              </p:cNvSpPr>
+              <p:nvPr>
+                <p:ph idx="1"/>
+              </p:nvPr>
+            </p:nvSpPr>
+            <p:spPr>
+              <a:xfrm>
+                <a:off x="755576" y="1484784"/>
+                <a:ext cx="8146157" cy="4680520"/>
+              </a:xfrm>
+              <a:blipFill>
+                <a:blip r:embed="rId2"/>
+                <a:stretch>
+                  <a:fillRect l="-823" t="-652"/>
+                </a:stretch>
+              </a:blipFill>
+            </p:spPr>
+            <p:txBody>
+              <a:bodyPr/>
+              <a:lstStyle/>
+              <a:p>
+                <a:r>
+                  <a:rPr lang="en-US">
+                    <a:noFill/>
+                  </a:rPr>
+                  <a:t> </a:t>
+                </a:r>
+              </a:p>
+            </p:txBody>
+          </p:sp>
+        </mc:Fallback>
+      </mc:AlternateContent>
     </p:spTree>
     <p:extLst>
       <p:ext uri="{BB962C8B-B14F-4D97-AF65-F5344CB8AC3E}">

--- a/reports/slides/best_equipo_08.pptx
+++ b/reports/slides/best_equipo_08.pptx
@@ -5,13 +5,14 @@
     <p:sldMasterId id="2147483648" r:id="rId1"/>
   </p:sldMasterIdLst>
   <p:notesMasterIdLst>
-    <p:notesMasterId r:id="rId6"/>
+    <p:notesMasterId r:id="rId7"/>
   </p:notesMasterIdLst>
   <p:sldIdLst>
     <p:sldId id="264" r:id="rId2"/>
     <p:sldId id="268" r:id="rId3"/>
     <p:sldId id="271" r:id="rId4"/>
     <p:sldId id="267" r:id="rId5"/>
+    <p:sldId id="272" r:id="rId6"/>
   </p:sldIdLst>
   <p:sldSz cx="9144000" cy="6858000" type="screen4x3"/>
   <p:notesSz cx="6858000" cy="9144000"/>
@@ -3593,8 +3594,8 @@
           <a:chExt cx="0" cy="0"/>
         </a:xfrm>
       </p:grpSpPr>
-      <mc:AlternateContent xmlns:mc="http://schemas.openxmlformats.org/markup-compatibility/2006">
-        <mc:Choice xmlns:a14="http://schemas.microsoft.com/office/drawing/2010/main" Requires="a14">
+      <mc:AlternateContent xmlns:mc="http://schemas.openxmlformats.org/markup-compatibility/2006" xmlns:a14="http://schemas.microsoft.com/office/drawing/2010/main">
+        <mc:Choice Requires="a14">
           <p:sp>
             <p:nvSpPr>
               <p:cNvPr id="3" name="Marcador de contenido 2">
@@ -4372,7 +4373,7 @@
             </p:txBody>
           </p:sp>
         </mc:Choice>
-        <mc:Fallback>
+        <mc:Fallback xmlns="">
           <p:sp>
             <p:nvSpPr>
               <p:cNvPr id="3" name="Marcador de contenido 2">
@@ -4869,8 +4870,8 @@
           <a:chExt cx="0" cy="0"/>
         </a:xfrm>
       </p:grpSpPr>
-      <mc:AlternateContent xmlns:mc="http://schemas.openxmlformats.org/markup-compatibility/2006">
-        <mc:Choice xmlns:a14="http://schemas.microsoft.com/office/drawing/2010/main" Requires="a14">
+      <mc:AlternateContent xmlns:mc="http://schemas.openxmlformats.org/markup-compatibility/2006" xmlns:a14="http://schemas.microsoft.com/office/drawing/2010/main">
+        <mc:Choice Requires="a14">
           <p:sp>
             <p:nvSpPr>
               <p:cNvPr id="3" name="Marcador de contenido 2">
@@ -5337,7 +5338,7 @@
             </p:txBody>
           </p:sp>
         </mc:Choice>
-        <mc:Fallback>
+        <mc:Fallback xmlns="">
           <p:sp>
             <p:nvSpPr>
               <p:cNvPr id="3" name="Marcador de contenido 2">
@@ -5385,6 +5386,358 @@
     <p:extLst>
       <p:ext uri="{BB962C8B-B14F-4D97-AF65-F5344CB8AC3E}">
         <p14:creationId xmlns:p14="http://schemas.microsoft.com/office/powerpoint/2010/main" val="3828104236"/>
+      </p:ext>
+    </p:extLst>
+  </p:cSld>
+  <p:clrMapOvr>
+    <a:masterClrMapping/>
+  </p:clrMapOvr>
+</p:sld>
+</file>
+
+<file path=ppt/slides/slide5.xml><?xml version="1.0" encoding="utf-8"?>
+<p:sld xmlns:a="http://schemas.openxmlformats.org/drawingml/2006/main" xmlns:r="http://schemas.openxmlformats.org/officeDocument/2006/relationships" xmlns:p="http://schemas.openxmlformats.org/presentationml/2006/main">
+  <p:cSld>
+    <p:spTree>
+      <p:nvGrpSpPr>
+        <p:cNvPr id="1" name="">
+          <a:extLst>
+            <a:ext uri="{FF2B5EF4-FFF2-40B4-BE49-F238E27FC236}">
+              <a16:creationId xmlns:a16="http://schemas.microsoft.com/office/drawing/2014/main" id="{DBE33DB7-047B-77DA-8564-049F87A3DCB8}"/>
+            </a:ext>
+          </a:extLst>
+        </p:cNvPr>
+        <p:cNvGrpSpPr/>
+        <p:nvPr/>
+      </p:nvGrpSpPr>
+      <p:grpSpPr>
+        <a:xfrm>
+          <a:off x="0" y="0"/>
+          <a:ext cx="0" cy="0"/>
+          <a:chOff x="0" y="0"/>
+          <a:chExt cx="0" cy="0"/>
+        </a:xfrm>
+      </p:grpSpPr>
+      <p:sp>
+        <p:nvSpPr>
+          <p:cNvPr id="3" name="Marcador de contenido 2">
+            <a:extLst>
+              <a:ext uri="{FF2B5EF4-FFF2-40B4-BE49-F238E27FC236}">
+                <a16:creationId xmlns:a16="http://schemas.microsoft.com/office/drawing/2014/main" id="{3A4841DD-15F5-FC34-F585-A5A402B10BBB}"/>
+              </a:ext>
+            </a:extLst>
+          </p:cNvPr>
+          <p:cNvSpPr>
+            <a:spLocks noGrp="1"/>
+          </p:cNvSpPr>
+          <p:nvPr>
+            <p:ph idx="1"/>
+          </p:nvPr>
+        </p:nvSpPr>
+        <p:spPr>
+          <a:xfrm>
+            <a:off x="755576" y="1772816"/>
+            <a:ext cx="8146157" cy="3744416"/>
+          </a:xfrm>
+        </p:spPr>
+        <p:txBody>
+          <a:bodyPr/>
+          <a:lstStyle/>
+          <a:p>
+            <a:pPr marL="0" indent="0">
+              <a:buNone/>
+            </a:pPr>
+            <a:r>
+              <a:rPr lang="es-ES" b="1" dirty="0"/>
+              <a:t>Por qué este modelo fue el mejor</a:t>
+            </a:r>
+            <a:endParaRPr lang="es-MX" b="1" dirty="0"/>
+          </a:p>
+          <a:p>
+            <a:pPr marL="0" indent="0">
+              <a:buNone/>
+            </a:pPr>
+            <a:endParaRPr lang="es-MX" dirty="0"/>
+          </a:p>
+          <a:p>
+            <a:pPr>
+              <a:spcBef>
+                <a:spcPct val="0"/>
+              </a:spcBef>
+            </a:pPr>
+            <a:r>
+              <a:rPr lang="en-US" altLang="en-US" dirty="0" err="1"/>
+              <a:t>Generalizó</a:t>
+            </a:r>
+            <a:r>
+              <a:rPr lang="en-US" altLang="en-US" dirty="0"/>
+              <a:t> </a:t>
+            </a:r>
+            <a:r>
+              <a:rPr lang="en-US" altLang="en-US" dirty="0" err="1"/>
+              <a:t>mejor</a:t>
+            </a:r>
+            <a:r>
+              <a:rPr lang="en-US" altLang="en-US" dirty="0"/>
+              <a:t> a </a:t>
+            </a:r>
+            <a:r>
+              <a:rPr lang="en-US" altLang="en-US" dirty="0" err="1"/>
+              <a:t>áreas</a:t>
+            </a:r>
+            <a:r>
+              <a:rPr lang="en-US" altLang="en-US" dirty="0"/>
+              <a:t> no vistas, </a:t>
+            </a:r>
+            <a:r>
+              <a:rPr lang="en-US" altLang="en-US" dirty="0" err="1"/>
+              <a:t>reflejado</a:t>
+            </a:r>
+            <a:r>
+              <a:rPr lang="en-US" altLang="en-US" dirty="0"/>
+              <a:t> </a:t>
+            </a:r>
+            <a:r>
+              <a:rPr lang="en-US" altLang="en-US" dirty="0" err="1"/>
+              <a:t>en</a:t>
+            </a:r>
+            <a:r>
+              <a:rPr lang="en-US" altLang="en-US" dirty="0"/>
+              <a:t> </a:t>
+            </a:r>
+            <a:r>
+              <a:rPr lang="en-US" altLang="en-US" dirty="0" err="1"/>
+              <a:t>el</a:t>
+            </a:r>
+            <a:r>
+              <a:rPr lang="en-US" altLang="en-US" dirty="0"/>
+              <a:t> </a:t>
+            </a:r>
+            <a:r>
+              <a:rPr lang="en-US" altLang="en-US" dirty="0" err="1"/>
+              <a:t>menor</a:t>
+            </a:r>
+            <a:r>
+              <a:rPr lang="en-US" altLang="en-US" dirty="0"/>
+              <a:t> MAE </a:t>
+            </a:r>
+            <a:r>
+              <a:rPr lang="en-US" altLang="en-US" dirty="0" err="1"/>
+              <a:t>en</a:t>
+            </a:r>
+            <a:r>
+              <a:rPr lang="en-US" altLang="en-US" dirty="0"/>
+              <a:t> Kaggle </a:t>
+            </a:r>
+            <a:r>
+              <a:rPr lang="en-US" altLang="en-US" dirty="0" err="1"/>
+              <a:t>frente</a:t>
+            </a:r>
+            <a:r>
+              <a:rPr lang="en-US" altLang="en-US" dirty="0"/>
+              <a:t> al RF regular.</a:t>
+            </a:r>
+          </a:p>
+          <a:p>
+            <a:pPr>
+              <a:spcBef>
+                <a:spcPct val="0"/>
+              </a:spcBef>
+            </a:pPr>
+            <a:r>
+              <a:rPr lang="en-US" altLang="en-US" dirty="0"/>
+              <a:t>El </a:t>
+            </a:r>
+            <a:r>
+              <a:rPr lang="en-US" altLang="en-US" dirty="0" err="1"/>
+              <a:t>ensamble</a:t>
+            </a:r>
+            <a:r>
+              <a:rPr lang="en-US" altLang="en-US" dirty="0"/>
+              <a:t> </a:t>
+            </a:r>
+            <a:r>
+              <a:rPr lang="en-US" altLang="en-US" dirty="0" err="1"/>
+              <a:t>por</a:t>
+            </a:r>
+            <a:r>
+              <a:rPr lang="en-US" altLang="en-US" dirty="0"/>
+              <a:t> folds </a:t>
+            </a:r>
+            <a:r>
+              <a:rPr lang="en-US" altLang="en-US" dirty="0" err="1"/>
+              <a:t>espaciales</a:t>
+            </a:r>
+            <a:r>
+              <a:rPr lang="en-US" altLang="en-US" dirty="0"/>
+              <a:t> </a:t>
+            </a:r>
+            <a:r>
+              <a:rPr lang="en-US" altLang="en-US" dirty="0" err="1"/>
+              <a:t>redujo</a:t>
+            </a:r>
+            <a:r>
+              <a:rPr lang="en-US" altLang="en-US" dirty="0"/>
+              <a:t> la </a:t>
+            </a:r>
+            <a:r>
+              <a:rPr lang="en-US" altLang="en-US" dirty="0" err="1"/>
+              <a:t>varianza</a:t>
+            </a:r>
+            <a:r>
+              <a:rPr lang="en-US" altLang="en-US" dirty="0"/>
+              <a:t> de las </a:t>
+            </a:r>
+            <a:r>
+              <a:rPr lang="en-US" altLang="en-US" dirty="0" err="1"/>
+              <a:t>predicciones</a:t>
+            </a:r>
+            <a:r>
+              <a:rPr lang="en-US" altLang="en-US" dirty="0"/>
+              <a:t>.</a:t>
+            </a:r>
+          </a:p>
+          <a:p>
+            <a:pPr>
+              <a:spcBef>
+                <a:spcPct val="0"/>
+              </a:spcBef>
+            </a:pPr>
+            <a:r>
+              <a:rPr lang="en-US" altLang="en-US" dirty="0"/>
+              <a:t>El bosque </a:t>
+            </a:r>
+            <a:r>
+              <a:rPr lang="en-US" altLang="en-US" dirty="0" err="1"/>
+              <a:t>capturó</a:t>
+            </a:r>
+            <a:r>
+              <a:rPr lang="en-US" altLang="en-US" dirty="0"/>
+              <a:t> no </a:t>
+            </a:r>
+            <a:r>
+              <a:rPr lang="en-US" altLang="en-US" dirty="0" err="1"/>
+              <a:t>linealidades</a:t>
+            </a:r>
+            <a:r>
+              <a:rPr lang="en-US" altLang="en-US" dirty="0"/>
+              <a:t> e </a:t>
+            </a:r>
+            <a:r>
+              <a:rPr lang="en-US" altLang="en-US" dirty="0" err="1"/>
+              <a:t>interacciones</a:t>
+            </a:r>
+            <a:r>
+              <a:rPr lang="en-US" altLang="en-US" dirty="0"/>
+              <a:t> entre </a:t>
+            </a:r>
+            <a:r>
+              <a:rPr lang="en-US" altLang="en-US" dirty="0" err="1"/>
+              <a:t>tamaño</a:t>
+            </a:r>
+            <a:r>
+              <a:rPr lang="en-US" altLang="en-US" dirty="0"/>
+              <a:t>, </a:t>
+            </a:r>
+            <a:r>
+              <a:rPr lang="en-US" altLang="en-US" dirty="0" err="1"/>
+              <a:t>ubicación</a:t>
+            </a:r>
+            <a:r>
+              <a:rPr lang="en-US" altLang="en-US" dirty="0"/>
+              <a:t>, </a:t>
+            </a:r>
+            <a:r>
+              <a:rPr lang="en-US" altLang="en-US" dirty="0" err="1"/>
+              <a:t>distancias</a:t>
+            </a:r>
+            <a:r>
+              <a:rPr lang="en-US" altLang="en-US" dirty="0"/>
+              <a:t> y </a:t>
+            </a:r>
+            <a:r>
+              <a:rPr lang="en-US" altLang="en-US" dirty="0" err="1"/>
+              <a:t>amenidades</a:t>
+            </a:r>
+            <a:r>
+              <a:rPr lang="en-US" altLang="en-US" dirty="0"/>
+              <a:t> sin </a:t>
+            </a:r>
+            <a:r>
+              <a:rPr lang="en-US" altLang="en-US" dirty="0" err="1"/>
+              <a:t>sobreajuste</a:t>
+            </a:r>
+            <a:r>
+              <a:rPr lang="en-US" altLang="en-US" dirty="0"/>
+              <a:t>.</a:t>
+            </a:r>
+          </a:p>
+          <a:p>
+            <a:pPr>
+              <a:spcBef>
+                <a:spcPct val="0"/>
+              </a:spcBef>
+            </a:pPr>
+            <a:r>
+              <a:rPr lang="en-US" altLang="en-US" dirty="0"/>
+              <a:t>Pipeline simple y </a:t>
+            </a:r>
+            <a:r>
+              <a:rPr lang="en-US" altLang="en-US" dirty="0" err="1"/>
+              <a:t>robusto</a:t>
+            </a:r>
+            <a:r>
+              <a:rPr lang="en-US" altLang="en-US" dirty="0"/>
+              <a:t> (sin </a:t>
+            </a:r>
+            <a:r>
+              <a:rPr lang="en-US" altLang="en-US" dirty="0" err="1"/>
+              <a:t>varianza</a:t>
+            </a:r>
+            <a:r>
+              <a:rPr lang="en-US" altLang="en-US" dirty="0"/>
+              <a:t> cero y dummies </a:t>
+            </a:r>
+            <a:r>
+              <a:rPr lang="en-US" altLang="en-US" dirty="0" err="1"/>
+              <a:t>consistentes</a:t>
+            </a:r>
+            <a:r>
+              <a:rPr lang="en-US" altLang="en-US" dirty="0"/>
+              <a:t>) </a:t>
+            </a:r>
+            <a:r>
+              <a:rPr lang="en-US" altLang="en-US" dirty="0" err="1"/>
+              <a:t>aplicado</a:t>
+            </a:r>
+            <a:r>
+              <a:rPr lang="en-US" altLang="en-US" dirty="0"/>
+              <a:t> </a:t>
+            </a:r>
+            <a:r>
+              <a:rPr lang="en-US" altLang="en-US" dirty="0" err="1"/>
+              <a:t>dentro</a:t>
+            </a:r>
+            <a:r>
+              <a:rPr lang="en-US" altLang="en-US" dirty="0"/>
+              <a:t> de </a:t>
+            </a:r>
+            <a:r>
+              <a:rPr lang="en-US" altLang="en-US" dirty="0" err="1"/>
+              <a:t>cada</a:t>
+            </a:r>
+            <a:r>
+              <a:rPr lang="en-US" altLang="en-US" dirty="0"/>
+              <a:t> fold.</a:t>
+            </a:r>
+            <a:endParaRPr lang="es-MX" dirty="0"/>
+          </a:p>
+        </p:txBody>
+      </p:sp>
+    </p:spTree>
+    <p:extLst>
+      <p:ext uri="{BB962C8B-B14F-4D97-AF65-F5344CB8AC3E}">
+        <p14:creationId xmlns:p14="http://schemas.microsoft.com/office/powerpoint/2010/main" val="2645291273"/>
       </p:ext>
     </p:extLst>
   </p:cSld>

--- a/reports/slides/best_equipo_08.pptx
+++ b/reports/slides/best_equipo_08.pptx
@@ -3488,12 +3488,12 @@
               <a:t> Money </a:t>
             </a:r>
             <a:r>
-              <a:rPr lang="es-CO" b="1" dirty="0" err="1"/>
-              <a:t>wit</a:t>
+              <a:rPr lang="es-CO" b="1" smtClean="0"/>
+              <a:t>with </a:t>
             </a:r>
             <a:r>
               <a:rPr lang="es-CO" b="1" dirty="0"/>
-              <a:t> ML?</a:t>
+              <a:t>ML?</a:t>
             </a:r>
           </a:p>
           <a:p>
@@ -3976,6 +3976,10 @@
                     </m:oMath>
                   </m:oMathPara>
                 </a14:m>
+                <a:r>
+                  <a:rPr lang="es-CO" sz="1600" dirty="0"/>
+                  <a:t/>
+                </a:r>
                 <a:br>
                   <a:rPr lang="es-CO" sz="1600" dirty="0"/>
                 </a:br>
